--- a/Assets/Class/Photon Server/PPT Data/Photon Data Management.pptx
+++ b/Assets/Class/Photon Server/PPT Data/Photon Data Management.pptx
@@ -2,23 +2,22 @@
 <file path=ppt/presentation.xml><?xml version="1.0" encoding="utf-8"?>
 <p:presentation xmlns:a="http://schemas.openxmlformats.org/drawingml/2006/main" xmlns:r="http://schemas.openxmlformats.org/officeDocument/2006/relationships" xmlns:p="http://schemas.openxmlformats.org/presentationml/2006/main" xmlns:p14="http://schemas.microsoft.com/office/powerpoint/2010/main" saveSubsetFonts="1" firstSlideNum="0">
   <p:sldMasterIdLst>
-    <p:sldMasterId id="2147487135" r:id="rId22"/>
-    <p:sldMasterId id="2147487136" r:id="rId24"/>
+    <p:sldMasterId id="2147487183" r:id="rId22"/>
+    <p:sldMasterId id="2147487184" r:id="rId24"/>
   </p:sldMasterIdLst>
   <p:notesMasterIdLst>
     <p:notesMasterId r:id="rId26"/>
   </p:notesMasterIdLst>
   <p:sldIdLst>
     <p:sldId id="309" r:id="rId28"/>
-    <p:sldId id="329" r:id="rId29"/>
-    <p:sldId id="330" r:id="rId30"/>
-    <p:sldId id="331" r:id="rId31"/>
-    <p:sldId id="332" r:id="rId32"/>
-    <p:sldId id="333" r:id="rId33"/>
-    <p:sldId id="334" r:id="rId34"/>
-    <p:sldId id="335" r:id="rId35"/>
-    <p:sldId id="336" r:id="rId36"/>
-    <p:sldId id="337" r:id="rId37"/>
+    <p:sldId id="329" r:id="rId30"/>
+    <p:sldId id="330" r:id="rId32"/>
+    <p:sldId id="331" r:id="rId33"/>
+    <p:sldId id="332" r:id="rId34"/>
+    <p:sldId id="337" r:id="rId35"/>
+    <p:sldId id="333" r:id="rId36"/>
+    <p:sldId id="335" r:id="rId37"/>
+    <p:sldId id="336" r:id="rId38"/>
   </p:sldIdLst>
   <p:sldSz cx="12192000" cy="6858000"/>
   <p:notesSz cx="6858000" cy="9144000"/>
@@ -619,148 +618,6 @@
 </p:notes>
 </file>
 
-<file path=ppt/notesSlides/notesSlide10.xml><?xml version="1.0" encoding="utf-8"?>
-<p:notes xmlns:a="http://schemas.openxmlformats.org/drawingml/2006/main" xmlns:r="http://schemas.openxmlformats.org/officeDocument/2006/relationships" xmlns:p="http://schemas.openxmlformats.org/presentationml/2006/main">
-  <p:cSld>
-    <p:spTree>
-      <p:nvGrpSpPr>
-        <p:cNvPr id="1" name=""/>
-        <p:cNvGrpSpPr/>
-        <p:nvPr/>
-      </p:nvGrpSpPr>
-      <p:grpSpPr>
-        <a:xfrm>
-          <a:off x="0" y="0"/>
-          <a:ext cx="0" cy="0"/>
-          <a:chOff x="0" y="0"/>
-          <a:chExt cx="0" cy="0"/>
-        </a:xfrm>
-      </p:grpSpPr>
-      <p:sp>
-        <p:nvSpPr>
-          <p:cNvPr id="2" name="슬라이드 이미지 개체 틀 3"/>
-          <p:cNvSpPr>
-            <a:spLocks noChangeAspect="1"/>
-          </p:cNvSpPr>
-          <p:nvPr>
-            <p:ph type="sldImg" idx="2"/>
-          </p:nvPr>
-        </p:nvSpPr>
-        <p:spPr>
-          <a:xfrm rot="0">
-            <a:off x="685800" y="1143000"/>
-            <a:ext cx="5494020" cy="3093720"/>
-          </a:xfrm>
-          <a:prstGeom prst="rect"/>
-          <a:noFill/>
-          <a:ln w="12700" cap="flat" cmpd="sng">
-            <a:solidFill>
-              <a:srgbClr val="000000">
-                <a:alpha val="100000"/>
-              </a:srgbClr>
-            </a:solidFill>
-            <a:prstDash val="solid"/>
-          </a:ln>
-        </p:spPr>
-        <p:txBody>
-          <a:bodyPr wrap="square" lIns="91440" tIns="45720" rIns="91440" bIns="45720" numCol="1" vert="horz" anchor="ctr">
-            <a:noAutofit/>
-          </a:bodyPr>
-          <a:lstStyle/>
-          <a:p>
-            <a:pPr marL="0" indent="0" latinLnBrk="0">
-              <a:buFontTx/>
-              <a:buNone/>
-            </a:pPr>
-          </a:p>
-        </p:txBody>
-      </p:sp>
-      <p:sp>
-        <p:nvSpPr>
-          <p:cNvPr id="3" name="슬라이드 노트 개체 틀 4"/>
-          <p:cNvSpPr txBox="1">
-            <a:spLocks/>
-          </p:cNvSpPr>
-          <p:nvPr>
-            <p:ph type="body" idx="3"/>
-          </p:nvPr>
-        </p:nvSpPr>
-        <p:spPr>
-          <a:xfrm rot="0">
-            <a:off x="685800" y="4400550"/>
-            <a:ext cx="5494020" cy="3608070"/>
-          </a:xfrm>
-          <a:prstGeom prst="rect"/>
-        </p:spPr>
-        <p:txBody>
-          <a:bodyPr wrap="square" lIns="91440" tIns="45720" rIns="91440" bIns="45720" numCol="1" vert="horz" anchor="t">
-            <a:noAutofit/>
-          </a:bodyPr>
-          <a:lstStyle/>
-          <a:p>
-            <a:pPr marL="0" indent="0" latinLnBrk="0">
-              <a:buFontTx/>
-              <a:buNone/>
-            </a:pPr>
-          </a:p>
-        </p:txBody>
-      </p:sp>
-      <p:sp>
-        <p:nvSpPr>
-          <p:cNvPr id="4" name="슬라이드 번호 개체 틀 6"/>
-          <p:cNvSpPr txBox="1">
-            <a:spLocks/>
-          </p:cNvSpPr>
-          <p:nvPr>
-            <p:ph type="sldNum" idx="5"/>
-          </p:nvPr>
-        </p:nvSpPr>
-        <p:spPr>
-          <a:xfrm rot="0">
-            <a:off x="3884930" y="8685530"/>
-            <a:ext cx="2979420" cy="466090"/>
-          </a:xfrm>
-          <a:prstGeom prst="rect"/>
-        </p:spPr>
-        <p:txBody>
-          <a:bodyPr wrap="square" lIns="91440" tIns="45720" rIns="91440" bIns="45720" numCol="1" vert="horz" anchor="b">
-            <a:noAutofit/>
-          </a:bodyPr>
-          <a:lstStyle>
-            <a:lvl1pPr marL="0" indent="0" algn="r" latinLnBrk="0">
-              <a:buFontTx/>
-              <a:buNone/>
-              <a:defRPr lang="en-GB" altLang="en-US" sz="1200"/>
-            </a:lvl1pPr>
-          </a:lstStyle>
-          <a:p>
-            <a:pPr marL="0" indent="0" latinLnBrk="0">
-              <a:buFontTx/>
-              <a:buNone/>
-            </a:pPr>
-            <a:fld id="{B9320F77-B9A0-41C5-862A-B4B631284C64}" type="slidenum">
-              <a:rPr lang="ko-KR" altLang="en-US"/>
-              <a:t>‹#›</a:t>
-            </a:fld>
-          </a:p>
-        </p:txBody>
-      </p:sp>
-    </p:spTree>
-  </p:cSld>
-  <p:clrMapOvr>
-    <a:masterClrMapping/>
-  </p:clrMapOvr>
-  <mc:AlternateContent xmlns:mc="http://schemas.openxmlformats.org/markup-compatibility/2006">
-    <mc:Choice xmlns:p14="http://schemas.microsoft.com/office/powerpoint/2010/main" Requires="p14">
-      <p:transition spd="slow" p14:dur="0"/>
-    </mc:Choice>
-    <mc:Fallback>
-      <p:transition spd="slow"/>
-    </mc:Fallback>
-  </mc:AlternateContent>
-</p:notes>
-</file>
-
 <file path=ppt/notesSlides/notesSlide2.xml><?xml version="1.0" encoding="utf-8"?>
 <p:notes xmlns:a="http://schemas.openxmlformats.org/drawingml/2006/main" xmlns:r="http://schemas.openxmlformats.org/officeDocument/2006/relationships" xmlns:p="http://schemas.openxmlformats.org/presentationml/2006/main">
   <p:cSld>
@@ -1359,7 +1216,7 @@
         <p:spPr>
           <a:xfrm rot="0">
             <a:off x="685800" y="1143000"/>
-            <a:ext cx="5493385" cy="3093085"/>
+            <a:ext cx="5494020" cy="3093720"/>
           </a:xfrm>
           <a:prstGeom prst="rect"/>
           <a:noFill/>
@@ -1398,7 +1255,7 @@
         <p:spPr>
           <a:xfrm rot="0">
             <a:off x="685800" y="4400550"/>
-            <a:ext cx="5493385" cy="3607435"/>
+            <a:ext cx="5494020" cy="3608070"/>
           </a:xfrm>
           <a:prstGeom prst="rect"/>
         </p:spPr>
@@ -1428,7 +1285,7 @@
         <p:spPr>
           <a:xfrm rot="0">
             <a:off x="3884930" y="8685530"/>
-            <a:ext cx="2978785" cy="465455"/>
+            <a:ext cx="2979420" cy="466090"/>
           </a:xfrm>
           <a:prstGeom prst="rect"/>
         </p:spPr>
@@ -1501,7 +1358,7 @@
         <p:spPr>
           <a:xfrm rot="0">
             <a:off x="685800" y="1143000"/>
-            <a:ext cx="5494020" cy="3093720"/>
+            <a:ext cx="5493385" cy="3093085"/>
           </a:xfrm>
           <a:prstGeom prst="rect"/>
           <a:noFill/>
@@ -1540,7 +1397,7 @@
         <p:spPr>
           <a:xfrm rot="0">
             <a:off x="685800" y="4400550"/>
-            <a:ext cx="5494020" cy="3608070"/>
+            <a:ext cx="5493385" cy="3607435"/>
           </a:xfrm>
           <a:prstGeom prst="rect"/>
         </p:spPr>
@@ -1570,7 +1427,7 @@
         <p:spPr>
           <a:xfrm rot="0">
             <a:off x="3884930" y="8685530"/>
-            <a:ext cx="2979420" cy="466090"/>
+            <a:ext cx="2978785" cy="465455"/>
           </a:xfrm>
           <a:prstGeom prst="rect"/>
         </p:spPr>
@@ -10980,452 +10837,6 @@
 </p:sld>
 </file>
 
-<file path=ppt/slides/slide10.xml><?xml version="1.0" encoding="utf-8"?>
-<p:sld xmlns:a="http://schemas.openxmlformats.org/drawingml/2006/main" xmlns:r="http://schemas.openxmlformats.org/officeDocument/2006/relationships" xmlns:p="http://schemas.openxmlformats.org/presentationml/2006/main">
-  <p:cSld>
-    <p:spTree>
-      <p:nvGrpSpPr>
-        <p:cNvPr id="1" name=""/>
-        <p:cNvGrpSpPr/>
-        <p:nvPr/>
-      </p:nvGrpSpPr>
-      <p:grpSpPr>
-        <a:xfrm>
-          <a:off x="0" y="0"/>
-          <a:ext cx="0" cy="0"/>
-          <a:chOff x="0" y="0"/>
-          <a:chExt cx="0" cy="0"/>
-        </a:xfrm>
-      </p:grpSpPr>
-      <p:sp>
-        <p:nvSpPr>
-          <p:cNvPr id="22" name="Rect 0"/>
-          <p:cNvSpPr txBox="1">
-            <a:spLocks/>
-          </p:cNvSpPr>
-          <p:nvPr/>
-        </p:nvSpPr>
-        <p:spPr>
-          <a:xfrm rot="0">
-            <a:off x="4514850" y="407670"/>
-            <a:ext cx="3158490" cy="554990"/>
-          </a:xfrm>
-          <a:prstGeom prst="rect"/>
-          <a:noFill/>
-          <a:ln w="0">
-            <a:noFill/>
-            <a:prstDash/>
-          </a:ln>
-        </p:spPr>
-        <p:txBody>
-          <a:bodyPr wrap="square" lIns="89535" tIns="46355" rIns="89535" bIns="46355" numCol="1" vert="horz" anchor="t">
-            <a:spAutoFit/>
-          </a:bodyPr>
-          <a:lstStyle/>
-          <a:p>
-            <a:pPr marL="0" indent="0" algn="l" latinLnBrk="0" hangingPunct="1">
-              <a:buFontTx/>
-              <a:buNone/>
-            </a:pPr>
-            <a:r>
-              <a:rPr lang="ko-KR" sz="3000" b="1">
-                <a:latin typeface="맑은 고딕" charset="0"/>
-                <a:ea typeface="맑은 고딕" charset="0"/>
-              </a:rPr>
-              <a:t>열</a:t>
-            </a:r>
-            <a:r>
-              <a:rPr lang="ko-KR" sz="3000" b="1">
-                <a:latin typeface="맑은 고딕" charset="0"/>
-                <a:ea typeface="맑은 고딕" charset="0"/>
-              </a:rPr>
-              <a:t> 번째 튜토리얼</a:t>
-            </a:r>
-            <a:endParaRPr lang="ko-KR" altLang="en-US" sz="3000" b="1">
-              <a:latin typeface="맑은 고딕" charset="0"/>
-              <a:ea typeface="맑은 고딕" charset="0"/>
-            </a:endParaRPr>
-          </a:p>
-        </p:txBody>
-      </p:sp>
-      <p:sp>
-        <p:nvSpPr>
-          <p:cNvPr id="70" name="Rect 0"/>
-          <p:cNvSpPr txBox="1">
-            <a:spLocks/>
-          </p:cNvSpPr>
-          <p:nvPr/>
-        </p:nvSpPr>
-        <p:spPr>
-          <a:xfrm rot="0">
-            <a:off x="6876415" y="4995545"/>
-            <a:ext cx="4097655" cy="1200785"/>
-          </a:xfrm>
-          <a:prstGeom prst="rect"/>
-          <a:noFill/>
-          <a:ln w="0">
-            <a:noFill/>
-            <a:prstDash/>
-          </a:ln>
-        </p:spPr>
-        <p:txBody>
-          <a:bodyPr wrap="square" lIns="89535" tIns="46355" rIns="89535" bIns="46355" numCol="1" vert="horz" anchor="t">
-            <a:spAutoFit/>
-          </a:bodyPr>
-          <a:lstStyle/>
-          <a:p>
-            <a:pPr marL="0" indent="0" rtl="0" algn="l" defTabSz="914400" eaLnBrk="1" latinLnBrk="0" hangingPunct="1">
-              <a:buFontTx/>
-              <a:buNone/>
-            </a:pPr>
-            <a:r>
-              <a:rPr lang="ko-KR" sz="1800" b="1">
-                <a:solidFill>
-                  <a:srgbClr val="0611F2"/>
-                </a:solidFill>
-                <a:latin typeface="맑은 고딕" charset="0"/>
-                <a:ea typeface="맑은 고딕" charset="0"/>
-              </a:rPr>
-              <a:t>22</a:t>
-            </a:r>
-            <a:r>
-              <a:rPr sz="1800" b="1">
-                <a:solidFill>
-                  <a:srgbClr val="0611F2"/>
-                </a:solidFill>
-                <a:latin typeface="맑은 고딕" charset="0"/>
-                <a:ea typeface="맑은 고딕" charset="0"/>
-              </a:rPr>
-              <a:t>.</a:t>
-            </a:r>
-            <a:r>
-              <a:rPr sz="1800">
-                <a:latin typeface="맑은 고딕" charset="0"/>
-                <a:ea typeface="맑은 고딕" charset="0"/>
-              </a:rPr>
-              <a:t> </a:t>
-            </a:r>
-            <a:r>
-              <a:rPr lang="ko-KR" sz="1800">
-                <a:solidFill>
-                  <a:schemeClr val="tx1"/>
-                </a:solidFill>
-                <a:latin typeface="맑은 고딕" charset="0"/>
-                <a:ea typeface="맑은 고딕" charset="0"/>
-              </a:rPr>
-              <a:t>그런 다음 Leader Border Panel 오브젝트에 있는 Image 컴포넌트에 Texture 폴더에 있는 Leader Border Panel 텍스처를 넣어줍니다</a:t>
-            </a:r>
-            <a:r>
-              <a:rPr lang="ko-KR" sz="1800">
-                <a:solidFill>
-                  <a:schemeClr val="tx1"/>
-                </a:solidFill>
-                <a:latin typeface="맑은 고딕" charset="0"/>
-                <a:ea typeface="맑은 고딕" charset="0"/>
-              </a:rPr>
-              <a:t>.</a:t>
-            </a:r>
-            <a:r>
-              <a:rPr lang="ko-KR" sz="1800">
-                <a:solidFill>
-                  <a:schemeClr val="tx1"/>
-                </a:solidFill>
-                <a:latin typeface="맑은 고딕" charset="0"/>
-                <a:ea typeface="맑은 고딕" charset="0"/>
-              </a:rPr>
-              <a:t> </a:t>
-            </a:r>
-            <a:endParaRPr lang="ko-KR" altLang="en-US" sz="1800">
-              <a:solidFill>
-                <a:schemeClr val="tx1"/>
-              </a:solidFill>
-              <a:latin typeface="맑은 고딕" charset="0"/>
-              <a:ea typeface="맑은 고딕" charset="0"/>
-            </a:endParaRPr>
-          </a:p>
-        </p:txBody>
-      </p:sp>
-      <p:sp>
-        <p:nvSpPr>
-          <p:cNvPr id="72" name="Rect 0"/>
-          <p:cNvSpPr txBox="1">
-            <a:spLocks/>
-          </p:cNvSpPr>
-          <p:nvPr/>
-        </p:nvSpPr>
-        <p:spPr>
-          <a:xfrm rot="0">
-            <a:off x="1238885" y="2909570"/>
-            <a:ext cx="4124325" cy="923925"/>
-          </a:xfrm>
-          <a:prstGeom prst="rect"/>
-          <a:noFill/>
-          <a:ln w="0">
-            <a:noFill/>
-            <a:prstDash/>
-          </a:ln>
-        </p:spPr>
-        <p:txBody>
-          <a:bodyPr wrap="square" lIns="89535" tIns="46355" rIns="89535" bIns="46355" numCol="1" vert="horz" anchor="t">
-            <a:spAutoFit/>
-          </a:bodyPr>
-          <a:lstStyle/>
-          <a:p>
-            <a:pPr marL="0" indent="0" rtl="0" algn="l" defTabSz="914400" eaLnBrk="1" latinLnBrk="0" hangingPunct="1">
-              <a:buFontTx/>
-              <a:buNone/>
-            </a:pPr>
-            <a:r>
-              <a:rPr lang="ko-KR" sz="1800" b="1">
-                <a:solidFill>
-                  <a:srgbClr val="0611F2"/>
-                </a:solidFill>
-                <a:latin typeface="맑은 고딕" charset="0"/>
-                <a:ea typeface="맑은 고딕" charset="0"/>
-              </a:rPr>
-              <a:t>21.</a:t>
-            </a:r>
-            <a:r>
-              <a:rPr sz="1800">
-                <a:latin typeface="맑은 고딕" charset="0"/>
-                <a:ea typeface="맑은 고딕" charset="0"/>
-              </a:rPr>
-              <a:t> </a:t>
-            </a:r>
-            <a:r>
-              <a:rPr lang="ko-KR" sz="1800">
-                <a:solidFill>
-                  <a:schemeClr val="tx1"/>
-                </a:solidFill>
-                <a:latin typeface="맑은 고딕" charset="0"/>
-                <a:ea typeface="맑은 고딕" charset="0"/>
-              </a:rPr>
-              <a:t>그러고 나서 Leader Border Panel의 앵커를 지정하고 위치를 설정합니다.</a:t>
-            </a:r>
-            <a:endParaRPr lang="ko-KR" altLang="en-US" sz="1800">
-              <a:solidFill>
-                <a:schemeClr val="tx1"/>
-              </a:solidFill>
-              <a:latin typeface="맑은 고딕" charset="0"/>
-              <a:ea typeface="맑은 고딕" charset="0"/>
-            </a:endParaRPr>
-          </a:p>
-        </p:txBody>
-      </p:sp>
-      <p:pic>
-        <p:nvPicPr>
-          <p:cNvPr id="83" name="그림 54" descr="C:/Users/Admin1/AppData/Roaming/PolarisOffice/ETemp/20476_21866432/fImage119053306962.png"/>
-          <p:cNvPicPr>
-            <a:picLocks noChangeAspect="1"/>
-          </p:cNvPicPr>
-          <p:nvPr/>
-        </p:nvPicPr>
-        <p:blipFill rotWithShape="1">
-          <a:blip r:embed="rId2" cstate="print">
-            <a:extLst>
-              <a:ext uri="{28A0092B-C50C-407E-A947-70E740481C1C}">
-                <a14:useLocalDpi xmlns:a14="http://schemas.microsoft.com/office/drawing/2010/main" val="0"/>
-              </a:ext>
-            </a:extLst>
-          </a:blip>
-          <a:stretch>
-            <a:fillRect/>
-          </a:stretch>
-        </p:blipFill>
-        <p:spPr>
-          <a:xfrm rot="0">
-            <a:off x="1240790" y="3973830"/>
-            <a:ext cx="4130040" cy="1496695"/>
-          </a:xfrm>
-          <a:prstGeom prst="roundRect"/>
-          <a:solidFill>
-            <a:srgbClr val="EDEDED"/>
-          </a:solidFill>
-        </p:spPr>
-      </p:pic>
-      <p:pic>
-        <p:nvPicPr>
-          <p:cNvPr id="84" name="그림 55" descr="C:/Users/Admin1/AppData/Roaming/PolarisOffice/ETemp/20476_21866432/fImage119233314464.png"/>
-          <p:cNvPicPr>
-            <a:picLocks noChangeAspect="1"/>
-          </p:cNvPicPr>
-          <p:nvPr/>
-        </p:nvPicPr>
-        <p:blipFill rotWithShape="1">
-          <a:blip r:embed="rId3" cstate="print">
-            <a:extLst>
-              <a:ext uri="{28A0092B-C50C-407E-A947-70E740481C1C}">
-                <a14:useLocalDpi xmlns:a14="http://schemas.microsoft.com/office/drawing/2010/main" val="0"/>
-              </a:ext>
-            </a:extLst>
-          </a:blip>
-          <a:stretch>
-            <a:fillRect/>
-          </a:stretch>
-        </p:blipFill>
-        <p:spPr>
-          <a:xfrm rot="0">
-            <a:off x="1247140" y="1426210"/>
-            <a:ext cx="4123690" cy="1367790"/>
-          </a:xfrm>
-          <a:prstGeom prst="roundRect"/>
-          <a:solidFill>
-            <a:srgbClr val="EDEDED"/>
-          </a:solidFill>
-        </p:spPr>
-      </p:pic>
-      <p:sp>
-        <p:nvSpPr>
-          <p:cNvPr id="85" name="텍스트 상자 60"/>
-          <p:cNvSpPr txBox="1">
-            <a:spLocks/>
-          </p:cNvSpPr>
-          <p:nvPr/>
-        </p:nvSpPr>
-        <p:spPr>
-          <a:xfrm rot="0">
-            <a:off x="1227455" y="5549900"/>
-            <a:ext cx="4124325" cy="647065"/>
-          </a:xfrm>
-          <a:prstGeom prst="rect"/>
-          <a:noFill/>
-          <a:ln w="0">
-            <a:noFill/>
-            <a:prstDash/>
-          </a:ln>
-        </p:spPr>
-        <p:txBody>
-          <a:bodyPr wrap="square" lIns="89535" tIns="46355" rIns="89535" bIns="46355" numCol="1" vert="horz" anchor="t">
-            <a:spAutoFit/>
-          </a:bodyPr>
-          <a:lstStyle/>
-          <a:p>
-            <a:pPr marL="0" indent="0" rtl="0" algn="l" defTabSz="914400" eaLnBrk="1" latinLnBrk="0" hangingPunct="1">
-              <a:buFontTx/>
-              <a:buNone/>
-            </a:pPr>
-            <a:r>
-              <a:rPr lang="ko-KR" sz="1800" b="1">
-                <a:solidFill>
-                  <a:srgbClr val="0611F2"/>
-                </a:solidFill>
-                <a:latin typeface="맑은 고딕" charset="0"/>
-                <a:ea typeface="맑은 고딕" charset="0"/>
-              </a:rPr>
-              <a:t>21.</a:t>
-            </a:r>
-            <a:r>
-              <a:rPr sz="1800">
-                <a:latin typeface="맑은 고딕" charset="0"/>
-                <a:ea typeface="맑은 고딕" charset="0"/>
-              </a:rPr>
-              <a:t> </a:t>
-            </a:r>
-            <a:r>
-              <a:rPr lang="ko-KR" sz="1800">
-                <a:solidFill>
-                  <a:schemeClr val="tx1"/>
-                </a:solidFill>
-                <a:latin typeface="맑은 고딕" charset="0"/>
-                <a:ea typeface="맑은 고딕" charset="0"/>
-              </a:rPr>
-              <a:t>그다음 Ranking Text의 앵커를 지정하고 위치와 크기를 설정합니다.</a:t>
-            </a:r>
-            <a:endParaRPr lang="ko-KR" altLang="en-US" sz="1800">
-              <a:solidFill>
-                <a:schemeClr val="tx1"/>
-              </a:solidFill>
-              <a:latin typeface="맑은 고딕" charset="0"/>
-              <a:ea typeface="맑은 고딕" charset="0"/>
-            </a:endParaRPr>
-          </a:p>
-        </p:txBody>
-      </p:sp>
-      <p:pic>
-        <p:nvPicPr>
-          <p:cNvPr id="86" name="그림 61" descr="C:/Users/Admin1/AppData/Roaming/PolarisOffice/ETemp/20476_21866432/fImage162243335705.png"/>
-          <p:cNvPicPr>
-            <a:picLocks noChangeAspect="1"/>
-          </p:cNvPicPr>
-          <p:nvPr/>
-        </p:nvPicPr>
-        <p:blipFill rotWithShape="1">
-          <a:blip r:embed="rId4" cstate="print">
-            <a:extLst>
-              <a:ext uri="{28A0092B-C50C-407E-A947-70E740481C1C}">
-                <a14:useLocalDpi xmlns:a14="http://schemas.microsoft.com/office/drawing/2010/main" val="0"/>
-              </a:ext>
-            </a:extLst>
-          </a:blip>
-          <a:stretch>
-            <a:fillRect/>
-          </a:stretch>
-        </p:blipFill>
-        <p:spPr>
-          <a:xfrm rot="0">
-            <a:off x="6833235" y="1441450"/>
-            <a:ext cx="4132580" cy="2229485"/>
-          </a:xfrm>
-          <a:prstGeom prst="roundRect"/>
-          <a:solidFill>
-            <a:srgbClr val="EDEDED"/>
-          </a:solidFill>
-        </p:spPr>
-      </p:pic>
-      <p:pic>
-        <p:nvPicPr>
-          <p:cNvPr id="87" name="그림 64" descr="C:/Users/Admin1/AppData/Roaming/PolarisOffice/ETemp/20476_21866432/fImage295943348145.png"/>
-          <p:cNvPicPr>
-            <a:picLocks noChangeAspect="1"/>
-          </p:cNvPicPr>
-          <p:nvPr/>
-        </p:nvPicPr>
-        <p:blipFill rotWithShape="1">
-          <a:blip r:embed="rId5" cstate="print">
-            <a:extLst>
-              <a:ext uri="{28A0092B-C50C-407E-A947-70E740481C1C}">
-                <a14:useLocalDpi xmlns:a14="http://schemas.microsoft.com/office/drawing/2010/main" val="0"/>
-              </a:ext>
-            </a:extLst>
-          </a:blip>
-          <a:stretch>
-            <a:fillRect/>
-          </a:stretch>
-        </p:blipFill>
-        <p:spPr>
-          <a:xfrm rot="0">
-            <a:off x="6823075" y="3798570"/>
-            <a:ext cx="4142740" cy="1038860"/>
-          </a:xfrm>
-          <a:prstGeom prst="roundRect"/>
-          <a:solidFill>
-            <a:srgbClr val="EDEDED"/>
-          </a:solidFill>
-        </p:spPr>
-      </p:pic>
-    </p:spTree>
-  </p:cSld>
-  <p:clrMapOvr>
-    <a:masterClrMapping/>
-  </p:clrMapOvr>
-  <mc:AlternateContent xmlns:mc="http://schemas.openxmlformats.org/markup-compatibility/2006">
-    <mc:Choice xmlns:p14="http://schemas.microsoft.com/office/powerpoint/2010/main" Requires="p14">
-      <p:transition spd="slow" p14:dur="2000"/>
-    </mc:Choice>
-    <mc:Fallback>
-      <p:transition spd="slow"/>
-    </mc:Fallback>
-  </mc:AlternateContent>
-  <p:timing>
-    <p:tnLst>
-      <p:par>
-        <p:cTn id="1" dur="indefinite" restart="never" nodeType="tmRoot"/>
-      </p:par>
-    </p:tnLst>
-  </p:timing>
-</p:sld>
-</file>
-
 <file path=ppt/slides/slide2.xml><?xml version="1.0" encoding="utf-8"?>
 <p:sld xmlns:a="http://schemas.openxmlformats.org/drawingml/2006/main" xmlns:r="http://schemas.openxmlformats.org/officeDocument/2006/relationships" xmlns:p="http://schemas.openxmlformats.org/presentationml/2006/main" xmlns:p14="http://schemas.microsoft.com/office/powerpoint/2010/main">
   <p:cSld>
@@ -12206,7 +11617,7 @@
       </p:sp>
       <p:pic>
         <p:nvPicPr>
-          <p:cNvPr id="50" name="그림 2" descr="C:/Users/Admin1/AppData/Roaming/PolarisOffice/ETemp/20476_21866432/fImage251804271478.png"/>
+          <p:cNvPr id="50" name="그림 2"/>
           <p:cNvPicPr>
             <a:picLocks noChangeAspect="1"/>
           </p:cNvPicPr>
@@ -12242,9 +11653,9 @@
           <p:nvPr/>
         </p:nvSpPr>
         <p:spPr>
-          <a:xfrm rot="0">
+          <a:xfrm>
             <a:off x="6824980" y="4436745"/>
-            <a:ext cx="4132580" cy="1754505"/>
+            <a:ext cx="4133215" cy="1754505"/>
           </a:xfrm>
           <a:prstGeom prst="rect"/>
           <a:noFill/>
@@ -12298,47 +11709,7 @@
                 <a:latin typeface="맑은 고딕" charset="0"/>
                 <a:ea typeface="맑은 고딕" charset="0"/>
               </a:rPr>
-              <a:t>그다음</a:t>
-            </a:r>
-            <a:r>
-              <a:rPr lang="ko-KR" sz="1800">
-                <a:solidFill>
-                  <a:schemeClr val="tx1"/>
-                </a:solidFill>
-                <a:latin typeface="맑은 고딕" charset="0"/>
-                <a:ea typeface="맑은 고딕" charset="0"/>
-              </a:rPr>
-              <a:t> </a:t>
-            </a:r>
-            <a:r>
-              <a:rPr lang="ko-KR" sz="1800">
-                <a:solidFill>
-                  <a:schemeClr val="tx1"/>
-                </a:solidFill>
-                <a:latin typeface="맑은 고딕" charset="0"/>
-                <a:ea typeface="맑은 고딕" charset="0"/>
-              </a:rPr>
-              <a:t>타이틀 설정에서 </a:t>
-            </a:r>
-            <a:r>
-              <a:rPr lang="ko-KR" sz="1800">
-                <a:solidFill>
-                  <a:schemeClr val="tx1"/>
-                </a:solidFill>
-                <a:latin typeface="맑은 고딕" charset="0"/>
-                <a:ea typeface="맑은 고딕" charset="0"/>
-              </a:rPr>
-              <a:t>클라이언트 프로필 옵션</a:t>
-            </a:r>
-            <a:r>
-              <a:rPr lang="ko-KR" sz="1800">
-                <a:solidFill>
-                  <a:schemeClr val="tx1"/>
-                </a:solidFill>
-                <a:latin typeface="맑은 고딕" charset="0"/>
-                <a:ea typeface="맑은 고딕" charset="0"/>
-              </a:rPr>
-              <a:t>을 선택합니다.</a:t>
+              <a:t>그다음 타이틀 설정에서 클라이언트 프로필 옵션을 선택합니다.</a:t>
             </a:r>
             <a:endParaRPr lang="ko-KR" altLang="en-US" sz="1800">
               <a:solidFill>
@@ -12388,7 +11759,7 @@
       </p:sp>
       <p:pic>
         <p:nvPicPr>
-          <p:cNvPr id="52" name="그림 11" descr="C:/Users/Admin1/AppData/Roaming/PolarisOffice/ETemp/20476_21866432/fImage2481310641.png"/>
+          <p:cNvPr id="52" name="그림 11"/>
           <p:cNvPicPr>
             <a:picLocks noChangeAspect="1"/>
           </p:cNvPicPr>
@@ -12506,16 +11877,210 @@
           </a:p>
         </p:txBody>
       </p:sp>
+      <p:sp>
+        <p:nvSpPr>
+          <p:cNvPr id="58" name="텍스트 상자 18"/>
+          <p:cNvSpPr txBox="1">
+            <a:spLocks/>
+          </p:cNvSpPr>
+          <p:nvPr/>
+        </p:nvSpPr>
+        <p:spPr>
+          <a:xfrm rot="0">
+            <a:off x="6808470" y="4992370"/>
+            <a:ext cx="4140200" cy="1200785"/>
+          </a:xfrm>
+          <a:prstGeom prst="rect"/>
+          <a:noFill/>
+          <a:ln w="0">
+            <a:noFill/>
+            <a:prstDash/>
+          </a:ln>
+        </p:spPr>
+        <p:txBody>
+          <a:bodyPr wrap="square" lIns="89535" tIns="46355" rIns="89535" bIns="46355" numCol="1" vert="horz" anchor="t">
+            <a:spAutoFit/>
+          </a:bodyPr>
+          <a:lstStyle/>
+          <a:p>
+            <a:pPr marL="0" indent="0" rtl="0" algn="l" defTabSz="914400" eaLnBrk="1" latinLnBrk="0" hangingPunct="1">
+              <a:buFontTx/>
+              <a:buNone/>
+            </a:pPr>
+            <a:r>
+              <a:rPr lang="ko-KR" sz="1800" b="1">
+                <a:solidFill>
+                  <a:srgbClr val="0611F2"/>
+                </a:solidFill>
+                <a:latin typeface="맑은 고딕" charset="0"/>
+                <a:ea typeface="맑은 고딕" charset="0"/>
+              </a:rPr>
+              <a:t>9</a:t>
+            </a:r>
+            <a:r>
+              <a:rPr sz="1800" b="1">
+                <a:solidFill>
+                  <a:srgbClr val="0611F2"/>
+                </a:solidFill>
+                <a:latin typeface="맑은 고딕" charset="0"/>
+                <a:ea typeface="맑은 고딕" charset="0"/>
+              </a:rPr>
+              <a:t>.</a:t>
+            </a:r>
+            <a:r>
+              <a:rPr sz="1800">
+                <a:latin typeface="맑은 고딕" charset="0"/>
+                <a:ea typeface="맑은 고딕" charset="0"/>
+              </a:rPr>
+              <a:t> </a:t>
+            </a:r>
+            <a:r>
+              <a:rPr lang="ko-KR" sz="1800">
+                <a:solidFill>
+                  <a:schemeClr val="tx1"/>
+                </a:solidFill>
+                <a:latin typeface="맑은 고딕" charset="0"/>
+                <a:ea typeface="맑은 고딕" charset="0"/>
+              </a:rPr>
+              <a:t>그러고 나서 </a:t>
+            </a:r>
+            <a:r>
+              <a:rPr lang="ko-KR" sz="1800">
+                <a:solidFill>
+                  <a:schemeClr val="tx1"/>
+                </a:solidFill>
+                <a:latin typeface="맑은 고딕" charset="0"/>
+                <a:ea typeface="맑은 고딕" charset="0"/>
+              </a:rPr>
+              <a:t>Resources 폴더에 있는 Character 오브젝트에 Canvas를 생성하고 Screen Space Canvas라는 이름으로 정의합니다.</a:t>
+            </a:r>
+            <a:endParaRPr lang="ko-KR" altLang="en-US" sz="1800">
+              <a:solidFill>
+                <a:schemeClr val="tx1"/>
+              </a:solidFill>
+              <a:latin typeface="맑은 고딕" charset="0"/>
+              <a:ea typeface="맑은 고딕" charset="0"/>
+            </a:endParaRPr>
+          </a:p>
+        </p:txBody>
+      </p:sp>
+      <p:sp>
+        <p:nvSpPr>
+          <p:cNvPr id="61" name="텍스트 상자 25"/>
+          <p:cNvSpPr txBox="1">
+            <a:spLocks/>
+          </p:cNvSpPr>
+          <p:nvPr/>
+        </p:nvSpPr>
+        <p:spPr>
+          <a:xfrm rot="0">
+            <a:off x="1253490" y="5272405"/>
+            <a:ext cx="4116705" cy="923925"/>
+          </a:xfrm>
+          <a:prstGeom prst="rect"/>
+          <a:noFill/>
+          <a:ln w="0">
+            <a:noFill/>
+            <a:prstDash/>
+          </a:ln>
+        </p:spPr>
+        <p:txBody>
+          <a:bodyPr wrap="square" lIns="89535" tIns="46355" rIns="89535" bIns="46355" numCol="1" vert="horz" anchor="t">
+            <a:spAutoFit/>
+          </a:bodyPr>
+          <a:lstStyle/>
+          <a:p>
+            <a:pPr marL="0" indent="0" rtl="0" algn="l" defTabSz="914400" eaLnBrk="1" latinLnBrk="0" hangingPunct="1">
+              <a:buFontTx/>
+              <a:buNone/>
+            </a:pPr>
+            <a:r>
+              <a:rPr lang="ko-KR" sz="1800" b="1">
+                <a:solidFill>
+                  <a:srgbClr val="0611F2"/>
+                </a:solidFill>
+                <a:latin typeface="맑은 고딕" charset="0"/>
+                <a:ea typeface="맑은 고딕" charset="0"/>
+              </a:rPr>
+              <a:t>8</a:t>
+            </a:r>
+            <a:r>
+              <a:rPr sz="1800" b="1">
+                <a:solidFill>
+                  <a:srgbClr val="0611F2"/>
+                </a:solidFill>
+                <a:latin typeface="맑은 고딕" charset="0"/>
+                <a:ea typeface="맑은 고딕" charset="0"/>
+              </a:rPr>
+              <a:t>.</a:t>
+            </a:r>
+            <a:r>
+              <a:rPr sz="1800">
+                <a:latin typeface="맑은 고딕" charset="0"/>
+                <a:ea typeface="맑은 고딕" charset="0"/>
+              </a:rPr>
+              <a:t> </a:t>
+            </a:r>
+            <a:r>
+              <a:rPr lang="ko-KR" sz="1800">
+                <a:solidFill>
+                  <a:schemeClr val="tx1"/>
+                </a:solidFill>
+                <a:latin typeface="맑은 고딕" charset="0"/>
+                <a:ea typeface="맑은 고딕" charset="0"/>
+              </a:rPr>
+              <a:t>그</a:t>
+            </a:r>
+            <a:r>
+              <a:rPr lang="ko-KR" sz="1800">
+                <a:solidFill>
+                  <a:schemeClr val="tx1"/>
+                </a:solidFill>
+                <a:latin typeface="맑은 고딕" charset="0"/>
+                <a:ea typeface="맑은 고딕" charset="0"/>
+              </a:rPr>
+              <a:t>런 다음</a:t>
+            </a:r>
+            <a:r>
+              <a:rPr lang="ko-KR" sz="1800">
+                <a:solidFill>
+                  <a:schemeClr val="tx1"/>
+                </a:solidFill>
+                <a:latin typeface="맑은 고딕" charset="0"/>
+                <a:ea typeface="맑은 고딕" charset="0"/>
+              </a:rPr>
+              <a:t> </a:t>
+            </a:r>
+            <a:r>
+              <a:rPr lang="ko-KR" sz="1800">
+                <a:solidFill>
+                  <a:schemeClr val="tx1"/>
+                </a:solidFill>
+                <a:latin typeface="맑은 고딕" charset="0"/>
+                <a:ea typeface="맑은 고딕" charset="0"/>
+              </a:rPr>
+              <a:t>클라이언트 프로필 옵션에서 표시 이름과 위치를 활성화하고 저장합니다.</a:t>
+            </a:r>
+            <a:endParaRPr lang="ko-KR" altLang="en-US" sz="1800">
+              <a:solidFill>
+                <a:schemeClr val="tx1"/>
+              </a:solidFill>
+              <a:latin typeface="맑은 고딕" charset="0"/>
+              <a:ea typeface="맑은 고딕" charset="0"/>
+            </a:endParaRPr>
+          </a:p>
+        </p:txBody>
+      </p:sp>
       <p:pic>
         <p:nvPicPr>
-          <p:cNvPr id="57" name="그림 17"/>
+          <p:cNvPr id="62" name="그림 28" descr="C:/Users/Admin1/AppData/Roaming/PolarisOffice/ETemp/22660_12699656/fImage144782908467.png"/>
           <p:cNvPicPr>
             <a:picLocks noChangeAspect="1"/>
           </p:cNvPicPr>
           <p:nvPr/>
         </p:nvPicPr>
         <p:blipFill rotWithShape="1">
-          <a:blip r:embed="rId3" cstate="hqprint">
+          <a:blip r:embed="rId6" cstate="hqprint">
             <a:extLst>
               <a:ext uri="{28A0092B-C50C-407E-A947-70E740481C1C}">
                 <a14:useLocalDpi xmlns:a14="http://schemas.microsoft.com/office/drawing/2010/main"/>
@@ -12528,8 +12093,8 @@
         </p:blipFill>
         <p:spPr>
           <a:xfrm rot="0">
-            <a:off x="9468485" y="2120265"/>
-            <a:ext cx="1472565" cy="2312035"/>
+            <a:off x="1242060" y="1463040"/>
+            <a:ext cx="4121150" cy="3665220"/>
           </a:xfrm>
           <a:prstGeom prst="roundRect"/>
           <a:solidFill>
@@ -12537,231 +12102,16 @@
           </a:solidFill>
         </p:spPr>
       </p:pic>
-      <p:sp>
-        <p:nvSpPr>
-          <p:cNvPr id="58" name="텍스트 상자 18"/>
-          <p:cNvSpPr txBox="1">
-            <a:spLocks/>
-          </p:cNvSpPr>
-          <p:nvPr/>
-        </p:nvSpPr>
-        <p:spPr>
-          <a:xfrm rot="0">
-            <a:off x="6816725" y="5266690"/>
-            <a:ext cx="4116070" cy="923925"/>
-          </a:xfrm>
-          <a:prstGeom prst="rect"/>
-          <a:noFill/>
-          <a:ln w="0">
-            <a:noFill/>
-            <a:prstDash/>
-          </a:ln>
-        </p:spPr>
-        <p:txBody>
-          <a:bodyPr wrap="square" lIns="89535" tIns="46355" rIns="89535" bIns="46355" numCol="1" vert="horz" anchor="t">
-            <a:spAutoFit/>
-          </a:bodyPr>
-          <a:lstStyle/>
-          <a:p>
-            <a:pPr marL="0" indent="0" rtl="0" algn="l" defTabSz="914400" eaLnBrk="1" latinLnBrk="0" hangingPunct="1">
-              <a:buFontTx/>
-              <a:buNone/>
-            </a:pPr>
-            <a:r>
-              <a:rPr lang="ko-KR" sz="1800" b="1">
-                <a:solidFill>
-                  <a:srgbClr val="0611F2"/>
-                </a:solidFill>
-                <a:latin typeface="맑은 고딕" charset="0"/>
-                <a:ea typeface="맑은 고딕" charset="0"/>
-              </a:rPr>
-              <a:t>9</a:t>
-            </a:r>
-            <a:r>
-              <a:rPr sz="1800" b="1">
-                <a:solidFill>
-                  <a:srgbClr val="0611F2"/>
-                </a:solidFill>
-                <a:latin typeface="맑은 고딕" charset="0"/>
-                <a:ea typeface="맑은 고딕" charset="0"/>
-              </a:rPr>
-              <a:t>.</a:t>
-            </a:r>
-            <a:r>
-              <a:rPr sz="1800">
-                <a:latin typeface="맑은 고딕" charset="0"/>
-                <a:ea typeface="맑은 고딕" charset="0"/>
-              </a:rPr>
-              <a:t> </a:t>
-            </a:r>
-            <a:r>
-              <a:rPr lang="ko-KR" sz="1800">
-                <a:solidFill>
-                  <a:schemeClr val="tx1"/>
-                </a:solidFill>
-                <a:latin typeface="맑은 고딕" charset="0"/>
-                <a:ea typeface="맑은 고딕" charset="0"/>
-              </a:rPr>
-              <a:t>그러고 나서 UI에 Image를 생성한 다음 Score Panel이라는 이름으로 정의합니다.</a:t>
-            </a:r>
-            <a:endParaRPr lang="ko-KR" altLang="en-US" sz="1800">
-              <a:solidFill>
-                <a:schemeClr val="bg1"/>
-              </a:solidFill>
-              <a:latin typeface="맑은 고딕" charset="0"/>
-              <a:ea typeface="맑은 고딕" charset="0"/>
-            </a:endParaRPr>
-          </a:p>
-        </p:txBody>
-      </p:sp>
       <p:pic>
         <p:nvPicPr>
-          <p:cNvPr id="59" name="그림 19" descr="C:/Users/Admin1/AppData/Roaming/PolarisOffice/ETemp/20476_21866432/fImage18500461491.png"/>
+          <p:cNvPr id="63" name="그림 1" descr="C:/Users/Admin1/AppData/Roaming/PolarisOffice/ETemp/22660_12699656/fImage2149914341.png"/>
           <p:cNvPicPr>
             <a:picLocks noChangeAspect="1"/>
           </p:cNvPicPr>
           <p:nvPr/>
         </p:nvPicPr>
         <p:blipFill rotWithShape="1">
-          <a:blip r:embed="rId4" cstate="hqprint">
-            <a:extLst>
-              <a:ext uri="{28A0092B-C50C-407E-A947-70E740481C1C}">
-                <a14:useLocalDpi xmlns:a14="http://schemas.microsoft.com/office/drawing/2010/main"/>
-              </a:ext>
-            </a:extLst>
-          </a:blip>
-          <a:stretch>
-            <a:fillRect/>
-          </a:stretch>
-        </p:blipFill>
-        <p:spPr>
-          <a:xfrm rot="0">
-            <a:off x="6824980" y="1446530"/>
-            <a:ext cx="2504440" cy="3642995"/>
-          </a:xfrm>
-          <a:prstGeom prst="roundRect"/>
-          <a:solidFill>
-            <a:srgbClr val="EDEDED"/>
-          </a:solidFill>
-        </p:spPr>
-      </p:pic>
-      <p:sp>
-        <p:nvSpPr>
-          <p:cNvPr id="61" name="텍스트 상자 25"/>
-          <p:cNvSpPr txBox="1">
-            <a:spLocks/>
-          </p:cNvSpPr>
-          <p:nvPr/>
-        </p:nvSpPr>
-        <p:spPr>
-          <a:xfrm rot="0">
-            <a:off x="1253490" y="5272405"/>
-            <a:ext cx="4116705" cy="923925"/>
-          </a:xfrm>
-          <a:prstGeom prst="rect"/>
-          <a:noFill/>
-          <a:ln w="0">
-            <a:noFill/>
-            <a:prstDash/>
-          </a:ln>
-        </p:spPr>
-        <p:txBody>
-          <a:bodyPr wrap="square" lIns="89535" tIns="46355" rIns="89535" bIns="46355" numCol="1" vert="horz" anchor="t">
-            <a:spAutoFit/>
-          </a:bodyPr>
-          <a:lstStyle/>
-          <a:p>
-            <a:pPr marL="0" indent="0" rtl="0" algn="l" defTabSz="914400" eaLnBrk="1" latinLnBrk="0" hangingPunct="1">
-              <a:buFontTx/>
-              <a:buNone/>
-            </a:pPr>
-            <a:r>
-              <a:rPr lang="ko-KR" sz="1800" b="1">
-                <a:solidFill>
-                  <a:srgbClr val="0611F2"/>
-                </a:solidFill>
-                <a:latin typeface="맑은 고딕" charset="0"/>
-                <a:ea typeface="맑은 고딕" charset="0"/>
-              </a:rPr>
-              <a:t>8</a:t>
-            </a:r>
-            <a:r>
-              <a:rPr sz="1800" b="1">
-                <a:solidFill>
-                  <a:srgbClr val="0611F2"/>
-                </a:solidFill>
-                <a:latin typeface="맑은 고딕" charset="0"/>
-                <a:ea typeface="맑은 고딕" charset="0"/>
-              </a:rPr>
-              <a:t>.</a:t>
-            </a:r>
-            <a:r>
-              <a:rPr sz="1800">
-                <a:latin typeface="맑은 고딕" charset="0"/>
-                <a:ea typeface="맑은 고딕" charset="0"/>
-              </a:rPr>
-              <a:t> </a:t>
-            </a:r>
-            <a:r>
-              <a:rPr lang="ko-KR" sz="1800">
-                <a:solidFill>
-                  <a:schemeClr val="tx1"/>
-                </a:solidFill>
-                <a:latin typeface="맑은 고딕" charset="0"/>
-                <a:ea typeface="맑은 고딕" charset="0"/>
-              </a:rPr>
-              <a:t>그</a:t>
-            </a:r>
-            <a:r>
-              <a:rPr lang="ko-KR" sz="1800">
-                <a:solidFill>
-                  <a:schemeClr val="tx1"/>
-                </a:solidFill>
-                <a:latin typeface="맑은 고딕" charset="0"/>
-                <a:ea typeface="맑은 고딕" charset="0"/>
-              </a:rPr>
-              <a:t>런 다음</a:t>
-            </a:r>
-            <a:r>
-              <a:rPr lang="ko-KR" sz="1800">
-                <a:solidFill>
-                  <a:schemeClr val="tx1"/>
-                </a:solidFill>
-                <a:latin typeface="맑은 고딕" charset="0"/>
-                <a:ea typeface="맑은 고딕" charset="0"/>
-              </a:rPr>
-              <a:t> </a:t>
-            </a:r>
-            <a:r>
-              <a:rPr lang="ko-KR" sz="1800">
-                <a:solidFill>
-                  <a:schemeClr val="tx1"/>
-                </a:solidFill>
-                <a:latin typeface="맑은 고딕" charset="0"/>
-                <a:ea typeface="맑은 고딕" charset="0"/>
-              </a:rPr>
-              <a:t>클라이언트 프로필 옵션에서 표시 이름과 위치를 활성화하고 저장합니다.</a:t>
-            </a:r>
-            <a:endParaRPr lang="ko-KR" altLang="en-US" sz="1800">
-              <a:solidFill>
-                <a:schemeClr val="tx1"/>
-              </a:solidFill>
-              <a:latin typeface="맑은 고딕" charset="0"/>
-              <a:ea typeface="맑은 고딕" charset="0"/>
-            </a:endParaRPr>
-          </a:p>
-        </p:txBody>
-      </p:sp>
-      <p:pic>
-        <p:nvPicPr>
-          <p:cNvPr id="62" name="그림 28" descr="C:/Users/Admin1/AppData/Roaming/PolarisOffice/ETemp/20476_21866432/fImage144782908467.png"/>
-          <p:cNvPicPr>
-            <a:picLocks noChangeAspect="1"/>
-          </p:cNvPicPr>
-          <p:nvPr/>
-        </p:nvPicPr>
-        <p:blipFill rotWithShape="1">
-          <a:blip r:embed="rId6" cstate="print">
+          <a:blip r:embed="rId7" cstate="print">
             <a:extLst>
               <a:ext uri="{28A0092B-C50C-407E-A947-70E740481C1C}">
                 <a14:useLocalDpi xmlns:a14="http://schemas.microsoft.com/office/drawing/2010/main" val="0"/>
@@ -12774,11 +12124,44 @@
         </p:blipFill>
         <p:spPr>
           <a:xfrm rot="0">
-            <a:off x="1242060" y="1449070"/>
-            <a:ext cx="4120515" cy="3678555"/>
-          </a:xfrm>
-          <a:prstGeom prst="rect"/>
-          <a:noFill/>
+            <a:off x="6816725" y="1471295"/>
+            <a:ext cx="2677160" cy="3342640"/>
+          </a:xfrm>
+          <a:prstGeom prst="roundRect"/>
+          <a:solidFill>
+            <a:srgbClr val="EDEDED"/>
+          </a:solidFill>
+        </p:spPr>
+      </p:pic>
+      <p:pic>
+        <p:nvPicPr>
+          <p:cNvPr id="64" name="그림 6" descr="C:/Users/Admin1/AppData/Roaming/PolarisOffice/ETemp/22660_12699656/fImage101421448467.png"/>
+          <p:cNvPicPr>
+            <a:picLocks noChangeAspect="1"/>
+          </p:cNvPicPr>
+          <p:nvPr/>
+        </p:nvPicPr>
+        <p:blipFill rotWithShape="1">
+          <a:blip r:embed="rId8" cstate="print">
+            <a:extLst>
+              <a:ext uri="{28A0092B-C50C-407E-A947-70E740481C1C}">
+                <a14:useLocalDpi xmlns:a14="http://schemas.microsoft.com/office/drawing/2010/main" val="0"/>
+              </a:ext>
+            </a:extLst>
+          </a:blip>
+          <a:stretch>
+            <a:fillRect/>
+          </a:stretch>
+        </p:blipFill>
+        <p:spPr>
+          <a:xfrm rot="0">
+            <a:off x="9617710" y="1936750"/>
+            <a:ext cx="1339850" cy="2428240"/>
+          </a:xfrm>
+          <a:prstGeom prst="roundRect"/>
+          <a:solidFill>
+            <a:srgbClr val="EDEDED"/>
+          </a:solidFill>
         </p:spPr>
       </p:pic>
     </p:spTree>
@@ -12872,47 +12255,18 @@
           </a:p>
         </p:txBody>
       </p:sp>
-      <p:pic>
-        <p:nvPicPr>
-          <p:cNvPr id="65" name="그림 30"/>
-          <p:cNvPicPr>
-            <a:picLocks noChangeAspect="1"/>
-          </p:cNvPicPr>
+      <p:sp>
+        <p:nvSpPr>
+          <p:cNvPr id="67" name="텍스트 상자 15"/>
+          <p:cNvSpPr txBox="1">
+            <a:spLocks/>
+          </p:cNvSpPr>
           <p:nvPr/>
-        </p:nvPicPr>
-        <p:blipFill rotWithShape="1">
-          <a:blip r:embed="rId4" cstate="hqprint">
-            <a:extLst>
-              <a:ext uri="{28A0092B-C50C-407E-A947-70E740481C1C}">
-                <a14:useLocalDpi xmlns:a14="http://schemas.microsoft.com/office/drawing/2010/main"/>
-              </a:ext>
-            </a:extLst>
-          </a:blip>
-          <a:stretch>
-            <a:fillRect/>
-          </a:stretch>
-        </p:blipFill>
-        <p:spPr>
-          <a:xfrm rot="0">
-            <a:off x="6833235" y="1437640"/>
-            <a:ext cx="4124325" cy="2079625"/>
-          </a:xfrm>
-          <a:prstGeom prst="rect"/>
-          <a:noFill/>
-        </p:spPr>
-      </p:pic>
-      <p:sp>
-        <p:nvSpPr>
-          <p:cNvPr id="66" name="텍스트 상자 31"/>
-          <p:cNvSpPr txBox="1">
-            <a:spLocks/>
-          </p:cNvSpPr>
-          <p:nvPr/>
-        </p:nvSpPr>
-        <p:spPr>
-          <a:xfrm>
-            <a:off x="6833870" y="3607435"/>
-            <a:ext cx="4124960" cy="2585085"/>
+        </p:nvSpPr>
+        <p:spPr>
+          <a:xfrm rot="0">
+            <a:off x="1321435" y="4194810"/>
+            <a:ext cx="3870325" cy="2031365"/>
           </a:xfrm>
           <a:prstGeom prst="rect"/>
           <a:noFill/>
@@ -12939,7 +12293,7 @@
                 <a:latin typeface="맑은 고딕" charset="0"/>
                 <a:ea typeface="맑은 고딕" charset="0"/>
               </a:rPr>
-              <a:t>11</a:t>
+              <a:t>10</a:t>
             </a:r>
             <a:r>
               <a:rPr sz="1800" b="1">
@@ -12966,7 +12320,7 @@
                 <a:latin typeface="맑은 고딕" charset="0"/>
                 <a:ea typeface="맑은 고딕" charset="0"/>
               </a:rPr>
-              <a:t>이제</a:t>
+              <a:t>마지막으로 </a:t>
             </a:r>
             <a:r>
               <a:rPr lang="ko-KR" sz="1800">
@@ -12976,7 +12330,7 @@
                 <a:latin typeface="맑은 고딕" charset="0"/>
                 <a:ea typeface="맑은 고딕" charset="0"/>
               </a:rPr>
-              <a:t> CharacterSystem 스크립트에서 Photon View 데이터를 실시간으로 동기화하기 위해 OnPhotonSerializeView( ) 함수를 선언합니다.</a:t>
+              <a:t>빈 게임 오브젝트를 생성하고 User Interface Manager라는 이름으로 정의합니다.</a:t>
             </a:r>
             <a:endParaRPr lang="ko-KR" altLang="en-US" sz="1800">
               <a:solidFill>
@@ -13012,7 +12366,7 @@
                 <a:latin typeface="맑은 고딕" charset="0"/>
                 <a:ea typeface="맑은 고딕" charset="0"/>
               </a:rPr>
-              <a:t>그런 다음 로컬 오브젝트의 데이터를 보내주고, 원격 오브젝트가 데이터를 받을 수 있도록 설정합니다.</a:t>
+              <a:t>그리고 UIManager 스크립트를 생성하고 USer Interface Manager 오브젝트에 넣어줍니다.</a:t>
             </a:r>
             <a:endParaRPr lang="ko-KR" altLang="en-US" sz="1800">
               <a:solidFill>
@@ -13024,132 +12378,9 @@
           </a:p>
         </p:txBody>
       </p:sp>
-      <p:sp>
-        <p:nvSpPr>
-          <p:cNvPr id="67" name="텍스트 상자 15"/>
-          <p:cNvSpPr txBox="1">
-            <a:spLocks/>
-          </p:cNvSpPr>
-          <p:nvPr/>
-        </p:nvSpPr>
-        <p:spPr>
-          <a:xfrm rot="0">
-            <a:off x="1321435" y="4194810"/>
-            <a:ext cx="3870325" cy="2031365"/>
-          </a:xfrm>
-          <a:prstGeom prst="rect"/>
-          <a:noFill/>
-          <a:ln w="0">
-            <a:noFill/>
-            <a:prstDash/>
-          </a:ln>
-        </p:spPr>
-        <p:txBody>
-          <a:bodyPr wrap="square" lIns="89535" tIns="46355" rIns="89535" bIns="46355" numCol="1" vert="horz" anchor="t">
-            <a:spAutoFit/>
-          </a:bodyPr>
-          <a:lstStyle/>
-          <a:p>
-            <a:pPr marL="0" indent="0" rtl="0" algn="l" defTabSz="914400" eaLnBrk="1" latinLnBrk="0" hangingPunct="1">
-              <a:buFontTx/>
-              <a:buNone/>
-            </a:pPr>
-            <a:r>
-              <a:rPr lang="ko-KR" sz="1800" b="1">
-                <a:solidFill>
-                  <a:srgbClr val="0611F2"/>
-                </a:solidFill>
-                <a:latin typeface="맑은 고딕" charset="0"/>
-                <a:ea typeface="맑은 고딕" charset="0"/>
-              </a:rPr>
-              <a:t>10</a:t>
-            </a:r>
-            <a:r>
-              <a:rPr sz="1800" b="1">
-                <a:solidFill>
-                  <a:srgbClr val="0611F2"/>
-                </a:solidFill>
-                <a:latin typeface="맑은 고딕" charset="0"/>
-                <a:ea typeface="맑은 고딕" charset="0"/>
-              </a:rPr>
-              <a:t>.</a:t>
-            </a:r>
-            <a:r>
-              <a:rPr sz="1800">
-                <a:latin typeface="맑은 고딕" charset="0"/>
-                <a:ea typeface="맑은 고딕" charset="0"/>
-              </a:rPr>
-              <a:t> </a:t>
-            </a:r>
-            <a:r>
-              <a:rPr lang="ko-KR" sz="1800">
-                <a:solidFill>
-                  <a:schemeClr val="tx1"/>
-                </a:solidFill>
-                <a:latin typeface="맑은 고딕" charset="0"/>
-                <a:ea typeface="맑은 고딕" charset="0"/>
-              </a:rPr>
-              <a:t>마지막으로 </a:t>
-            </a:r>
-            <a:r>
-              <a:rPr lang="ko-KR" sz="1800">
-                <a:solidFill>
-                  <a:schemeClr val="tx1"/>
-                </a:solidFill>
-                <a:latin typeface="맑은 고딕" charset="0"/>
-                <a:ea typeface="맑은 고딕" charset="0"/>
-              </a:rPr>
-              <a:t>빈 게임 오브젝트를 생성하고 User Interface Manager라는 이름으로 정의합니다.</a:t>
-            </a:r>
-            <a:endParaRPr lang="ko-KR" altLang="en-US" sz="1800">
-              <a:solidFill>
-                <a:schemeClr val="tx1"/>
-              </a:solidFill>
-              <a:latin typeface="맑은 고딕" charset="0"/>
-              <a:ea typeface="맑은 고딕" charset="0"/>
-            </a:endParaRPr>
-          </a:p>
-          <a:p>
-            <a:pPr marL="0" indent="0" rtl="0" algn="l" defTabSz="914400" eaLnBrk="1" latinLnBrk="0" hangingPunct="1">
-              <a:buFontTx/>
-              <a:buNone/>
-            </a:pPr>
-            <a:endParaRPr lang="ko-KR" altLang="en-US" sz="1800">
-              <a:solidFill>
-                <a:schemeClr val="tx1"/>
-              </a:solidFill>
-              <a:latin typeface="맑은 고딕" charset="0"/>
-              <a:ea typeface="맑은 고딕" charset="0"/>
-            </a:endParaRPr>
-          </a:p>
-          <a:p>
-            <a:pPr marL="0" indent="0" rtl="0" algn="l" defTabSz="914400" eaLnBrk="1" latinLnBrk="0" hangingPunct="1">
-              <a:buFontTx/>
-              <a:buNone/>
-            </a:pPr>
-            <a:r>
-              <a:rPr lang="ko-KR" sz="1800">
-                <a:solidFill>
-                  <a:schemeClr val="tx1"/>
-                </a:solidFill>
-                <a:latin typeface="맑은 고딕" charset="0"/>
-                <a:ea typeface="맑은 고딕" charset="0"/>
-              </a:rPr>
-              <a:t>그리고 UIManager 스크립트를 생성하고 USer Interface Manager 오브젝트에 넣어줍니다.</a:t>
-            </a:r>
-            <a:endParaRPr lang="ko-KR" altLang="en-US" sz="1800">
-              <a:solidFill>
-                <a:schemeClr val="tx1"/>
-              </a:solidFill>
-              <a:latin typeface="맑은 고딕" charset="0"/>
-              <a:ea typeface="맑은 고딕" charset="0"/>
-            </a:endParaRPr>
-          </a:p>
-        </p:txBody>
-      </p:sp>
       <p:pic>
         <p:nvPicPr>
-          <p:cNvPr id="68" name="그림 16" descr="C:/Users/Admin1/AppData/Roaming/PolarisOffice/ETemp/20476_21866432/fImage129644289358.png"/>
+          <p:cNvPr id="68" name="그림 16" descr="C:/Users/Admin1/AppData/Roaming/PolarisOffice/ETemp/22660_12699656/fImage129644289358.png"/>
           <p:cNvPicPr>
             <a:picLocks noChangeAspect="1"/>
           </p:cNvPicPr>
@@ -13169,8 +12400,8 @@
         </p:blipFill>
         <p:spPr>
           <a:xfrm rot="0">
-            <a:off x="4039870" y="1437640"/>
-            <a:ext cx="1339215" cy="1581785"/>
+            <a:off x="3923665" y="1521460"/>
+            <a:ext cx="1456055" cy="1538605"/>
           </a:xfrm>
           <a:prstGeom prst="roundRect"/>
           <a:solidFill>
@@ -13180,7 +12411,7 @@
       </p:pic>
       <p:pic>
         <p:nvPicPr>
-          <p:cNvPr id="69" name="그림 17" descr="C:/Users/Admin1/AppData/Roaming/PolarisOffice/ETemp/20476_21866432/fImage330254316962.png"/>
+          <p:cNvPr id="69" name="그림 17" descr="C:/Users/Admin1/AppData/Roaming/PolarisOffice/ETemp/22660_12699656/fImage330254316962.png"/>
           <p:cNvPicPr>
             <a:picLocks noChangeAspect="1"/>
           </p:cNvPicPr>
@@ -13200,8 +12431,8 @@
         </p:blipFill>
         <p:spPr>
           <a:xfrm rot="0">
-            <a:off x="1318895" y="1437640"/>
-            <a:ext cx="2456180" cy="2561590"/>
+            <a:off x="1318895" y="1529715"/>
+            <a:ext cx="2331085" cy="2470150"/>
           </a:xfrm>
           <a:prstGeom prst="roundRect"/>
           <a:solidFill>
@@ -13211,7 +12442,7 @@
       </p:pic>
       <p:pic>
         <p:nvPicPr>
-          <p:cNvPr id="70" name="그림 18" descr="C:/Users/Admin1/AppData/Roaming/PolarisOffice/ETemp/20476_21866432/fImage22144414464.png"/>
+          <p:cNvPr id="70" name="그림 18" descr="C:/Users/Admin1/AppData/Roaming/PolarisOffice/ETemp/22660_12699656/fImage22144414464.png"/>
           <p:cNvPicPr>
             <a:picLocks noChangeAspect="1"/>
           </p:cNvPicPr>
@@ -13231,8 +12462,8 @@
         </p:blipFill>
         <p:spPr>
           <a:xfrm rot="0">
-            <a:off x="4446905" y="3424555"/>
-            <a:ext cx="522605" cy="584200"/>
+            <a:off x="4339590" y="3358515"/>
+            <a:ext cx="624205" cy="650875"/>
           </a:xfrm>
           <a:prstGeom prst="roundRect"/>
           <a:solidFill>
@@ -13251,8 +12482,8 @@
         </p:nvCxnSpPr>
         <p:spPr>
           <a:xfrm rot="0" flipV="1">
-            <a:off x="4707890" y="3018790"/>
-            <a:ext cx="1905" cy="406400"/>
+            <a:off x="4651375" y="3059430"/>
+            <a:ext cx="635" cy="299720"/>
           </a:xfrm>
           <a:prstGeom prst="straightConnector1"/>
           <a:ln w="6350" cap="flat" cmpd="sng">
@@ -13275,6 +12506,281 @@
           </a:fontRef>
         </p:style>
       </p:cxnSp>
+      <p:sp>
+        <p:nvSpPr>
+          <p:cNvPr id="72" name="텍스트 상자 22"/>
+          <p:cNvSpPr txBox="1">
+            <a:spLocks/>
+          </p:cNvSpPr>
+          <p:nvPr/>
+        </p:nvSpPr>
+        <p:spPr>
+          <a:xfrm rot="0">
+            <a:off x="6833235" y="4471670"/>
+            <a:ext cx="4132580" cy="1754505"/>
+          </a:xfrm>
+          <a:prstGeom prst="rect"/>
+          <a:noFill/>
+          <a:ln w="0">
+            <a:noFill/>
+            <a:prstDash/>
+          </a:ln>
+        </p:spPr>
+        <p:txBody>
+          <a:bodyPr wrap="square" lIns="89535" tIns="46355" rIns="89535" bIns="46355" numCol="1" vert="horz" anchor="t">
+            <a:spAutoFit/>
+          </a:bodyPr>
+          <a:lstStyle/>
+          <a:p>
+            <a:pPr marL="0" indent="0" rtl="0" algn="l" defTabSz="914400" eaLnBrk="1" latinLnBrk="0" hangingPunct="1">
+              <a:buFontTx/>
+              <a:buNone/>
+            </a:pPr>
+            <a:r>
+              <a:rPr lang="ko-KR" sz="1800" b="1">
+                <a:solidFill>
+                  <a:srgbClr val="0611F2"/>
+                </a:solidFill>
+                <a:latin typeface="맑은 고딕" charset="0"/>
+                <a:ea typeface="맑은 고딕" charset="0"/>
+              </a:rPr>
+              <a:t>1</a:t>
+            </a:r>
+            <a:r>
+              <a:rPr lang="ko-KR" sz="1800" b="1">
+                <a:solidFill>
+                  <a:srgbClr val="0611F2"/>
+                </a:solidFill>
+                <a:latin typeface="맑은 고딕" charset="0"/>
+                <a:ea typeface="맑은 고딕" charset="0"/>
+              </a:rPr>
+              <a:t>1</a:t>
+            </a:r>
+            <a:r>
+              <a:rPr sz="1800" b="1">
+                <a:solidFill>
+                  <a:srgbClr val="0611F2"/>
+                </a:solidFill>
+                <a:latin typeface="맑은 고딕" charset="0"/>
+                <a:ea typeface="맑은 고딕" charset="0"/>
+              </a:rPr>
+              <a:t>.</a:t>
+            </a:r>
+            <a:r>
+              <a:rPr sz="1800">
+                <a:latin typeface="맑은 고딕" charset="0"/>
+                <a:ea typeface="맑은 고딕" charset="0"/>
+              </a:rPr>
+              <a:t> </a:t>
+            </a:r>
+            <a:r>
+              <a:rPr lang="ko-KR" sz="1800">
+                <a:solidFill>
+                  <a:schemeClr val="tx1"/>
+                </a:solidFill>
+                <a:latin typeface="맑은 고딕" charset="0"/>
+                <a:ea typeface="맑은 고딕" charset="0"/>
+              </a:rPr>
+              <a:t>이제</a:t>
+            </a:r>
+            <a:r>
+              <a:rPr lang="ko-KR" sz="1800">
+                <a:solidFill>
+                  <a:schemeClr val="tx1"/>
+                </a:solidFill>
+                <a:latin typeface="맑은 고딕" charset="0"/>
+                <a:ea typeface="맑은 고딕" charset="0"/>
+              </a:rPr>
+              <a:t> Sc</a:t>
+            </a:r>
+            <a:r>
+              <a:rPr lang="ko-KR" sz="1800">
+                <a:solidFill>
+                  <a:schemeClr val="tx1"/>
+                </a:solidFill>
+                <a:latin typeface="맑은 고딕" charset="0"/>
+                <a:ea typeface="맑은 고딕" charset="0"/>
+              </a:rPr>
+              <a:t>reen Space Canvas</a:t>
+            </a:r>
+            <a:r>
+              <a:rPr lang="ko-KR" sz="1800">
+                <a:solidFill>
+                  <a:schemeClr val="tx1"/>
+                </a:solidFill>
+                <a:latin typeface="맑은 고딕" charset="0"/>
+                <a:ea typeface="맑은 고딕" charset="0"/>
+              </a:rPr>
+              <a:t> 오브젝트의 하위 오브젝트로 </a:t>
+            </a:r>
+            <a:r>
+              <a:rPr lang="ko-KR" sz="1800">
+                <a:solidFill>
+                  <a:schemeClr val="tx1"/>
+                </a:solidFill>
+                <a:latin typeface="맑은 고딕" charset="0"/>
+                <a:ea typeface="맑은 고딕" charset="0"/>
+              </a:rPr>
+              <a:t>Image</a:t>
+            </a:r>
+            <a:r>
+              <a:rPr lang="ko-KR" sz="1800">
+                <a:solidFill>
+                  <a:schemeClr val="tx1"/>
+                </a:solidFill>
+                <a:latin typeface="맑은 고딕" charset="0"/>
+                <a:ea typeface="맑은 고딕" charset="0"/>
+              </a:rPr>
+              <a:t>를 생성</a:t>
+            </a:r>
+            <a:r>
+              <a:rPr lang="ko-KR" sz="1800">
+                <a:solidFill>
+                  <a:schemeClr val="tx1"/>
+                </a:solidFill>
+                <a:latin typeface="맑은 고딕" charset="0"/>
+                <a:ea typeface="맑은 고딕" charset="0"/>
+              </a:rPr>
+              <a:t>합니다.</a:t>
+            </a:r>
+            <a:endParaRPr lang="ko-KR" altLang="en-US" sz="1800">
+              <a:solidFill>
+                <a:schemeClr val="tx1"/>
+              </a:solidFill>
+              <a:latin typeface="맑은 고딕" charset="0"/>
+              <a:ea typeface="맑은 고딕" charset="0"/>
+            </a:endParaRPr>
+          </a:p>
+          <a:p>
+            <a:pPr marL="0" indent="0" rtl="0" algn="l" defTabSz="914400" eaLnBrk="1" latinLnBrk="0" hangingPunct="1">
+              <a:buFontTx/>
+              <a:buNone/>
+            </a:pPr>
+            <a:endParaRPr lang="ko-KR" altLang="en-US" sz="1800">
+              <a:solidFill>
+                <a:schemeClr val="tx1"/>
+              </a:solidFill>
+              <a:latin typeface="맑은 고딕" charset="0"/>
+              <a:ea typeface="맑은 고딕" charset="0"/>
+            </a:endParaRPr>
+          </a:p>
+          <a:p>
+            <a:pPr marL="0" indent="0" rtl="0" algn="l" defTabSz="914400" eaLnBrk="1" latinLnBrk="0" hangingPunct="1">
+              <a:buFontTx/>
+              <a:buNone/>
+            </a:pPr>
+            <a:r>
+              <a:rPr lang="ko-KR" sz="1800">
+                <a:solidFill>
+                  <a:schemeClr val="tx1"/>
+                </a:solidFill>
+                <a:latin typeface="맑은 고딕" charset="0"/>
+                <a:ea typeface="맑은 고딕" charset="0"/>
+              </a:rPr>
+              <a:t>그다음</a:t>
+            </a:r>
+            <a:r>
+              <a:rPr lang="ko-KR" sz="1800">
+                <a:solidFill>
+                  <a:schemeClr val="tx1"/>
+                </a:solidFill>
+                <a:latin typeface="맑은 고딕" charset="0"/>
+                <a:ea typeface="맑은 고딕" charset="0"/>
+              </a:rPr>
+              <a:t> Score </a:t>
+            </a:r>
+            <a:r>
+              <a:rPr lang="ko-KR" sz="1800">
+                <a:solidFill>
+                  <a:schemeClr val="tx1"/>
+                </a:solidFill>
+                <a:latin typeface="맑은 고딕" charset="0"/>
+                <a:ea typeface="맑은 고딕" charset="0"/>
+              </a:rPr>
+              <a:t>Panel이</a:t>
+            </a:r>
+            <a:r>
+              <a:rPr lang="ko-KR" sz="1800">
+                <a:solidFill>
+                  <a:schemeClr val="tx1"/>
+                </a:solidFill>
+                <a:latin typeface="맑은 고딕" charset="0"/>
+                <a:ea typeface="맑은 고딕" charset="0"/>
+              </a:rPr>
+              <a:t>라는 이름으로 정의합니다.</a:t>
+            </a:r>
+            <a:endParaRPr lang="ko-KR" altLang="en-US" sz="1800">
+              <a:solidFill>
+                <a:schemeClr val="tx1"/>
+              </a:solidFill>
+              <a:latin typeface="맑은 고딕" charset="0"/>
+              <a:ea typeface="맑은 고딕" charset="0"/>
+            </a:endParaRPr>
+          </a:p>
+        </p:txBody>
+      </p:sp>
+      <p:pic>
+        <p:nvPicPr>
+          <p:cNvPr id="73" name="그림 23" descr="C:/Users/Admin1/AppData/Roaming/PolarisOffice/ETemp/22660_12699656/fImage108091546334.png"/>
+          <p:cNvPicPr>
+            <a:picLocks noChangeAspect="1"/>
+          </p:cNvPicPr>
+          <p:nvPr/>
+        </p:nvPicPr>
+        <p:blipFill rotWithShape="1">
+          <a:blip r:embed="rId9" cstate="print">
+            <a:extLst>
+              <a:ext uri="{28A0092B-C50C-407E-A947-70E740481C1C}">
+                <a14:useLocalDpi xmlns:a14="http://schemas.microsoft.com/office/drawing/2010/main" val="0"/>
+              </a:ext>
+            </a:extLst>
+          </a:blip>
+          <a:stretch>
+            <a:fillRect/>
+          </a:stretch>
+        </p:blipFill>
+        <p:spPr>
+          <a:xfrm rot="0">
+            <a:off x="9618345" y="1962150"/>
+            <a:ext cx="1339215" cy="1896110"/>
+          </a:xfrm>
+          <a:prstGeom prst="roundRect"/>
+          <a:solidFill>
+            <a:srgbClr val="EDEDED"/>
+          </a:solidFill>
+        </p:spPr>
+      </p:pic>
+      <p:pic>
+        <p:nvPicPr>
+          <p:cNvPr id="74" name="그림 24" descr="C:/Users/Admin1/AppData/Roaming/PolarisOffice/ETemp/22660_12699656/fImage18500461491.png"/>
+          <p:cNvPicPr>
+            <a:picLocks noChangeAspect="1"/>
+          </p:cNvPicPr>
+          <p:nvPr/>
+        </p:nvPicPr>
+        <p:blipFill rotWithShape="1">
+          <a:blip r:embed="rId10" cstate="hqprint">
+            <a:extLst>
+              <a:ext uri="{28A0092B-C50C-407E-A947-70E740481C1C}">
+                <a14:useLocalDpi xmlns:a14="http://schemas.microsoft.com/office/drawing/2010/main"/>
+              </a:ext>
+            </a:extLst>
+          </a:blip>
+          <a:stretch>
+            <a:fillRect/>
+          </a:stretch>
+        </p:blipFill>
+        <p:spPr>
+          <a:xfrm rot="0">
+            <a:off x="6833235" y="1521460"/>
+            <a:ext cx="2611120" cy="2768600"/>
+          </a:xfrm>
+          <a:prstGeom prst="roundRect"/>
+          <a:solidFill>
+            <a:srgbClr val="EDEDED"/>
+          </a:solidFill>
+        </p:spPr>
+      </p:pic>
     </p:spTree>
   </p:cSld>
   <p:clrMapOvr>
@@ -13325,8 +12831,8 @@
         </p:nvSpPr>
         <p:spPr>
           <a:xfrm rot="0">
-            <a:off x="4340225" y="407670"/>
-            <a:ext cx="3507740" cy="554990"/>
+            <a:off x="4315460" y="407670"/>
+            <a:ext cx="3557905" cy="554990"/>
           </a:xfrm>
           <a:prstGeom prst="rect"/>
           <a:noFill/>
@@ -13366,180 +12872,47 @@
           </a:p>
         </p:txBody>
       </p:sp>
-      <p:sp>
-        <p:nvSpPr>
-          <p:cNvPr id="63" name="Rect 0"/>
-          <p:cNvSpPr txBox="1">
-            <a:spLocks/>
-          </p:cNvSpPr>
-          <p:nvPr/>
-        </p:nvSpPr>
-        <p:spPr>
-          <a:xfrm>
-            <a:off x="1230630" y="5269865"/>
-            <a:ext cx="4145915" cy="923925"/>
-          </a:xfrm>
-          <a:prstGeom prst="rect"/>
-          <a:noFill/>
-          <a:ln w="0">
-            <a:noFill/>
-            <a:prstDash/>
-          </a:ln>
-        </p:spPr>
-        <p:txBody>
-          <a:bodyPr wrap="square" lIns="89535" tIns="46355" rIns="89535" bIns="46355" numCol="1" vert="horz" anchor="t">
-            <a:spAutoFit/>
-          </a:bodyPr>
-          <a:lstStyle/>
-          <a:p>
-            <a:pPr marL="0" indent="0" rtl="0" algn="l" defTabSz="914400" eaLnBrk="1" latinLnBrk="0" hangingPunct="1">
-              <a:buFontTx/>
-              <a:buNone/>
-            </a:pPr>
-            <a:r>
-              <a:rPr lang="ko-KR" sz="1800" b="1">
-                <a:solidFill>
-                  <a:srgbClr val="0611F2"/>
-                </a:solidFill>
-                <a:latin typeface="맑은 고딕" charset="0"/>
-                <a:ea typeface="맑은 고딕" charset="0"/>
-              </a:rPr>
-              <a:t>12</a:t>
-            </a:r>
-            <a:r>
-              <a:rPr sz="1800" b="1">
-                <a:solidFill>
-                  <a:srgbClr val="0611F2"/>
-                </a:solidFill>
-                <a:latin typeface="맑은 고딕" charset="0"/>
-                <a:ea typeface="맑은 고딕" charset="0"/>
-              </a:rPr>
-              <a:t>.</a:t>
-            </a:r>
-            <a:r>
-              <a:rPr sz="1800">
-                <a:latin typeface="맑은 고딕" charset="0"/>
-                <a:ea typeface="맑은 고딕" charset="0"/>
-              </a:rPr>
-              <a:t> </a:t>
-            </a:r>
-            <a:r>
-              <a:rPr lang="ko-KR" sz="1800">
-                <a:solidFill>
-                  <a:schemeClr val="tx1"/>
-                </a:solidFill>
-                <a:latin typeface="맑은 고딕" charset="0"/>
-                <a:ea typeface="맑은 고딕" charset="0"/>
-              </a:rPr>
-              <a:t>이제 Score Panel 오브젝트의 하위 오브젝트로 Text를 생성한 다음 Crystal Score Text라는 이름으로 정의합니다.</a:t>
-            </a:r>
-            <a:endParaRPr lang="ko-KR" altLang="en-US" sz="1800">
-              <a:solidFill>
-                <a:schemeClr val="tx1"/>
-              </a:solidFill>
-              <a:latin typeface="맑은 고딕" charset="0"/>
-              <a:ea typeface="맑은 고딕" charset="0"/>
-            </a:endParaRPr>
-          </a:p>
-        </p:txBody>
-      </p:sp>
-      <p:sp>
-        <p:nvSpPr>
-          <p:cNvPr id="66" name="Rect 0"/>
-          <p:cNvSpPr txBox="1">
-            <a:spLocks/>
-          </p:cNvSpPr>
-          <p:nvPr/>
-        </p:nvSpPr>
-        <p:spPr>
-          <a:xfrm rot="0">
-            <a:off x="6833870" y="2800985"/>
-            <a:ext cx="4124325" cy="923925"/>
-          </a:xfrm>
-          <a:prstGeom prst="rect"/>
-          <a:noFill/>
-          <a:ln w="0">
-            <a:noFill/>
-            <a:prstDash/>
-          </a:ln>
-        </p:spPr>
-        <p:txBody>
-          <a:bodyPr wrap="square" lIns="89535" tIns="46355" rIns="89535" bIns="46355" numCol="1" vert="horz" anchor="t">
-            <a:spAutoFit/>
-          </a:bodyPr>
-          <a:lstStyle/>
-          <a:p>
-            <a:pPr marL="0" indent="0" rtl="0" algn="l" defTabSz="914400" eaLnBrk="1" latinLnBrk="0" hangingPunct="1">
-              <a:buFontTx/>
-              <a:buNone/>
-            </a:pPr>
-            <a:r>
-              <a:rPr lang="ko-KR" sz="1800" b="1">
-                <a:solidFill>
-                  <a:srgbClr val="0611F2"/>
-                </a:solidFill>
-                <a:latin typeface="맑은 고딕" charset="0"/>
-                <a:ea typeface="맑은 고딕" charset="0"/>
-              </a:rPr>
-              <a:t>1</a:t>
-            </a:r>
-            <a:r>
-              <a:rPr lang="ko-KR" sz="1800" b="1">
-                <a:solidFill>
-                  <a:srgbClr val="0611F2"/>
-                </a:solidFill>
-                <a:latin typeface="맑은 고딕" charset="0"/>
-                <a:ea typeface="맑은 고딕" charset="0"/>
-              </a:rPr>
-              <a:t>3</a:t>
-            </a:r>
-            <a:r>
-              <a:rPr sz="1800" b="1">
-                <a:solidFill>
-                  <a:srgbClr val="0611F2"/>
-                </a:solidFill>
-                <a:latin typeface="맑은 고딕" charset="0"/>
-                <a:ea typeface="맑은 고딕" charset="0"/>
-              </a:rPr>
-              <a:t>.</a:t>
-            </a:r>
-            <a:r>
-              <a:rPr sz="1800">
-                <a:latin typeface="맑은 고딕" charset="0"/>
-                <a:ea typeface="맑은 고딕" charset="0"/>
-              </a:rPr>
-              <a:t> </a:t>
-            </a:r>
-            <a:r>
-              <a:rPr lang="ko-KR" sz="1800">
-                <a:solidFill>
-                  <a:schemeClr val="tx1"/>
-                </a:solidFill>
-                <a:latin typeface="맑은 고딕" charset="0"/>
-                <a:ea typeface="맑은 고딕" charset="0"/>
-              </a:rPr>
-              <a:t>그리고 Crystal Score Text의 앵커를 지정하고 위치와 크기를 설정합니다.</a:t>
-            </a:r>
-            <a:endParaRPr lang="ko-KR" altLang="en-US" sz="1800">
-              <a:solidFill>
-                <a:schemeClr val="tx1"/>
-              </a:solidFill>
-              <a:latin typeface="맑은 고딕" charset="0"/>
-              <a:ea typeface="맑은 고딕" charset="0"/>
-            </a:endParaRPr>
-          </a:p>
-        </p:txBody>
-      </p:sp>
       <p:pic>
         <p:nvPicPr>
-          <p:cNvPr id="67" name="그림 32"/>
+          <p:cNvPr id="28" name="그림 17" descr="C:/Users/Admin1/AppData/Roaming/PolarisOffice/ETemp/22660_12699656/fImage217263086500.png"/>
           <p:cNvPicPr>
             <a:picLocks noChangeAspect="1"/>
           </p:cNvPicPr>
           <p:nvPr/>
         </p:nvPicPr>
         <p:blipFill rotWithShape="1">
-          <a:blip r:embed="rId2" cstate="print">
+          <a:blip r:embed="rId7" cstate="hqprint">
+            <a:extLst>
+              <a:ext uri="{28A0092B-C50C-407E-A947-70E740481C1C}">
+                <a14:useLocalDpi xmlns:a14="http://schemas.microsoft.com/office/drawing/2010/main"/>
+              </a:ext>
+            </a:extLst>
+          </a:blip>
+          <a:stretch>
+            <a:fillRect/>
+          </a:stretch>
+        </p:blipFill>
+        <p:spPr>
+          <a:xfrm rot="0">
+            <a:off x="1230630" y="1490980"/>
+            <a:ext cx="2670810" cy="3040380"/>
+          </a:xfrm>
+          <a:prstGeom prst="roundRect"/>
+          <a:solidFill>
+            <a:srgbClr val="EDEDED"/>
+          </a:solidFill>
+        </p:spPr>
+      </p:pic>
+      <p:pic>
+        <p:nvPicPr>
+          <p:cNvPr id="29" name="그림 18" descr="C:/Users/Admin1/AppData/Roaming/PolarisOffice/ETemp/22660_12699656/fImage116161516500.png"/>
+          <p:cNvPicPr>
+            <a:picLocks noChangeAspect="1"/>
+          </p:cNvPicPr>
+          <p:nvPr/>
+        </p:nvPicPr>
+        <p:blipFill rotWithShape="1">
+          <a:blip r:embed="rId8" cstate="print">
             <a:extLst>
               <a:ext uri="{28A0092B-C50C-407E-A947-70E740481C1C}">
                 <a14:useLocalDpi xmlns:a14="http://schemas.microsoft.com/office/drawing/2010/main" val="0"/>
@@ -13552,8 +12925,8 @@
         </p:blipFill>
         <p:spPr>
           <a:xfrm rot="0">
-            <a:off x="3907155" y="1927860"/>
-            <a:ext cx="1463040" cy="2727960"/>
+            <a:off x="4057015" y="1948815"/>
+            <a:ext cx="1313815" cy="2125345"/>
           </a:xfrm>
           <a:prstGeom prst="roundRect"/>
           <a:solidFill>
@@ -13561,16 +12934,356 @@
           </a:solidFill>
         </p:spPr>
       </p:pic>
+      <p:sp>
+        <p:nvSpPr>
+          <p:cNvPr id="30" name="텍스트 상자 21"/>
+          <p:cNvSpPr txBox="1">
+            <a:spLocks/>
+          </p:cNvSpPr>
+          <p:nvPr/>
+        </p:nvSpPr>
+        <p:spPr>
+          <a:xfrm rot="0">
+            <a:off x="1222375" y="4685030"/>
+            <a:ext cx="4140200" cy="1477645"/>
+          </a:xfrm>
+          <a:prstGeom prst="rect"/>
+          <a:noFill/>
+          <a:ln w="0">
+            <a:noFill/>
+            <a:prstDash/>
+          </a:ln>
+        </p:spPr>
+        <p:txBody>
+          <a:bodyPr wrap="square" lIns="89535" tIns="46355" rIns="89535" bIns="46355" numCol="1" vert="horz" anchor="t">
+            <a:spAutoFit/>
+          </a:bodyPr>
+          <a:lstStyle/>
+          <a:p>
+            <a:pPr marL="0" indent="0" rtl="0" algn="l" defTabSz="914400" eaLnBrk="1" latinLnBrk="0" hangingPunct="1">
+              <a:buFontTx/>
+              <a:buNone/>
+            </a:pPr>
+            <a:r>
+              <a:rPr lang="ko-KR" sz="1800" b="1">
+                <a:solidFill>
+                  <a:srgbClr val="0611F2"/>
+                </a:solidFill>
+                <a:latin typeface="맑은 고딕" charset="0"/>
+                <a:ea typeface="맑은 고딕" charset="0"/>
+              </a:rPr>
+              <a:t>1</a:t>
+            </a:r>
+            <a:r>
+              <a:rPr lang="ko-KR" sz="1800" b="1">
+                <a:solidFill>
+                  <a:srgbClr val="0611F2"/>
+                </a:solidFill>
+                <a:latin typeface="맑은 고딕" charset="0"/>
+                <a:ea typeface="맑은 고딕" charset="0"/>
+              </a:rPr>
+              <a:t>2</a:t>
+            </a:r>
+            <a:r>
+              <a:rPr sz="1800" b="1">
+                <a:solidFill>
+                  <a:srgbClr val="0611F2"/>
+                </a:solidFill>
+                <a:latin typeface="맑은 고딕" charset="0"/>
+                <a:ea typeface="맑은 고딕" charset="0"/>
+              </a:rPr>
+              <a:t>.</a:t>
+            </a:r>
+            <a:r>
+              <a:rPr sz="1800">
+                <a:latin typeface="맑은 고딕" charset="0"/>
+                <a:ea typeface="맑은 고딕" charset="0"/>
+              </a:rPr>
+              <a:t> </a:t>
+            </a:r>
+            <a:r>
+              <a:rPr lang="ko-KR" sz="1800">
+                <a:solidFill>
+                  <a:schemeClr val="tx1"/>
+                </a:solidFill>
+                <a:latin typeface="맑은 고딕" charset="0"/>
+                <a:ea typeface="맑은 고딕" charset="0"/>
+              </a:rPr>
+              <a:t>그리고</a:t>
+            </a:r>
+            <a:r>
+              <a:rPr lang="ko-KR" sz="1800">
+                <a:solidFill>
+                  <a:schemeClr val="tx1"/>
+                </a:solidFill>
+                <a:latin typeface="맑은 고딕" charset="0"/>
+                <a:ea typeface="맑은 고딕" charset="0"/>
+              </a:rPr>
+              <a:t> </a:t>
+            </a:r>
+            <a:r>
+              <a:rPr lang="ko-KR" sz="1800">
+                <a:solidFill>
+                  <a:schemeClr val="tx1"/>
+                </a:solidFill>
+                <a:latin typeface="맑은 고딕" charset="0"/>
+                <a:ea typeface="맑은 고딕" charset="0"/>
+              </a:rPr>
+              <a:t>Score Panel </a:t>
+            </a:r>
+            <a:r>
+              <a:rPr lang="ko-KR" sz="1800">
+                <a:solidFill>
+                  <a:schemeClr val="tx1"/>
+                </a:solidFill>
+                <a:latin typeface="맑은 고딕" charset="0"/>
+                <a:ea typeface="맑은 고딕" charset="0"/>
+              </a:rPr>
+              <a:t>오브젝트의 하위 오브젝트로 </a:t>
+            </a:r>
+            <a:r>
+              <a:rPr lang="ko-KR" sz="1800">
+                <a:solidFill>
+                  <a:schemeClr val="tx1"/>
+                </a:solidFill>
+                <a:latin typeface="맑은 고딕" charset="0"/>
+                <a:ea typeface="맑은 고딕" charset="0"/>
+              </a:rPr>
+              <a:t>Text</a:t>
+            </a:r>
+            <a:r>
+              <a:rPr lang="ko-KR" sz="1800">
+                <a:solidFill>
+                  <a:schemeClr val="tx1"/>
+                </a:solidFill>
+                <a:latin typeface="맑은 고딕" charset="0"/>
+                <a:ea typeface="맑은 고딕" charset="0"/>
+              </a:rPr>
+              <a:t>를 생성</a:t>
+            </a:r>
+            <a:r>
+              <a:rPr lang="ko-KR" sz="1800">
+                <a:solidFill>
+                  <a:schemeClr val="tx1"/>
+                </a:solidFill>
+                <a:latin typeface="맑은 고딕" charset="0"/>
+                <a:ea typeface="맑은 고딕" charset="0"/>
+              </a:rPr>
+              <a:t>합니다.</a:t>
+            </a:r>
+            <a:endParaRPr lang="ko-KR" altLang="en-US" sz="1800">
+              <a:solidFill>
+                <a:schemeClr val="tx1"/>
+              </a:solidFill>
+              <a:latin typeface="맑은 고딕" charset="0"/>
+              <a:ea typeface="맑은 고딕" charset="0"/>
+            </a:endParaRPr>
+          </a:p>
+          <a:p>
+            <a:pPr marL="0" indent="0" rtl="0" algn="l" defTabSz="914400" eaLnBrk="1" latinLnBrk="0" hangingPunct="1">
+              <a:buFontTx/>
+              <a:buNone/>
+            </a:pPr>
+            <a:endParaRPr lang="ko-KR" altLang="en-US" sz="1800">
+              <a:solidFill>
+                <a:schemeClr val="tx1"/>
+              </a:solidFill>
+              <a:latin typeface="맑은 고딕" charset="0"/>
+              <a:ea typeface="맑은 고딕" charset="0"/>
+            </a:endParaRPr>
+          </a:p>
+          <a:p>
+            <a:pPr marL="0" indent="0" rtl="0" algn="l" defTabSz="914400" eaLnBrk="1" latinLnBrk="0" hangingPunct="1">
+              <a:buFontTx/>
+              <a:buNone/>
+            </a:pPr>
+            <a:r>
+              <a:rPr lang="ko-KR" sz="1800">
+                <a:solidFill>
+                  <a:schemeClr val="tx1"/>
+                </a:solidFill>
+                <a:latin typeface="맑은 고딕" charset="0"/>
+                <a:ea typeface="맑은 고딕" charset="0"/>
+              </a:rPr>
+              <a:t>그러고 나서</a:t>
+            </a:r>
+            <a:r>
+              <a:rPr lang="ko-KR" sz="1800">
+                <a:solidFill>
+                  <a:schemeClr val="tx1"/>
+                </a:solidFill>
+                <a:latin typeface="맑은 고딕" charset="0"/>
+                <a:ea typeface="맑은 고딕" charset="0"/>
+              </a:rPr>
+              <a:t> </a:t>
+            </a:r>
+            <a:r>
+              <a:rPr lang="ko-KR" sz="1800">
+                <a:solidFill>
+                  <a:schemeClr val="tx1"/>
+                </a:solidFill>
+                <a:latin typeface="맑은 고딕" charset="0"/>
+                <a:ea typeface="맑은 고딕" charset="0"/>
+              </a:rPr>
+              <a:t>Crystal </a:t>
+            </a:r>
+            <a:r>
+              <a:rPr lang="ko-KR" sz="1800">
+                <a:solidFill>
+                  <a:schemeClr val="tx1"/>
+                </a:solidFill>
+                <a:latin typeface="맑은 고딕" charset="0"/>
+                <a:ea typeface="맑은 고딕" charset="0"/>
+              </a:rPr>
+              <a:t>Score </a:t>
+            </a:r>
+            <a:r>
+              <a:rPr lang="ko-KR" sz="1800">
+                <a:solidFill>
+                  <a:schemeClr val="tx1"/>
+                </a:solidFill>
+                <a:latin typeface="맑은 고딕" charset="0"/>
+                <a:ea typeface="맑은 고딕" charset="0"/>
+              </a:rPr>
+              <a:t>Text</a:t>
+            </a:r>
+            <a:r>
+              <a:rPr lang="ko-KR" sz="1800">
+                <a:solidFill>
+                  <a:schemeClr val="tx1"/>
+                </a:solidFill>
+                <a:latin typeface="맑은 고딕" charset="0"/>
+                <a:ea typeface="맑은 고딕" charset="0"/>
+              </a:rPr>
+              <a:t>라는 이름으로 정의합니다.</a:t>
+            </a:r>
+            <a:endParaRPr lang="ko-KR" altLang="en-US" sz="1800">
+              <a:solidFill>
+                <a:schemeClr val="tx1"/>
+              </a:solidFill>
+              <a:latin typeface="맑은 고딕" charset="0"/>
+              <a:ea typeface="맑은 고딕" charset="0"/>
+            </a:endParaRPr>
+          </a:p>
+        </p:txBody>
+      </p:sp>
+      <p:sp>
+        <p:nvSpPr>
+          <p:cNvPr id="31" name="텍스트 상자 28"/>
+          <p:cNvSpPr txBox="1">
+            <a:spLocks/>
+          </p:cNvSpPr>
+          <p:nvPr/>
+        </p:nvSpPr>
+        <p:spPr>
+          <a:xfrm rot="0">
+            <a:off x="6833870" y="2800985"/>
+            <a:ext cx="4124960" cy="923925"/>
+          </a:xfrm>
+          <a:prstGeom prst="rect"/>
+          <a:noFill/>
+          <a:ln w="0">
+            <a:noFill/>
+            <a:prstDash/>
+          </a:ln>
+        </p:spPr>
+        <p:txBody>
+          <a:bodyPr wrap="square" lIns="89535" tIns="46355" rIns="89535" bIns="46355" numCol="1" vert="horz" anchor="t">
+            <a:spAutoFit/>
+          </a:bodyPr>
+          <a:lstStyle/>
+          <a:p>
+            <a:pPr marL="0" indent="0" rtl="0" algn="l" defTabSz="914400" eaLnBrk="1" latinLnBrk="0" hangingPunct="1">
+              <a:buFontTx/>
+              <a:buNone/>
+            </a:pPr>
+            <a:r>
+              <a:rPr lang="ko-KR" sz="1800" b="1">
+                <a:solidFill>
+                  <a:srgbClr val="0611F2"/>
+                </a:solidFill>
+                <a:latin typeface="맑은 고딕" charset="0"/>
+                <a:ea typeface="맑은 고딕" charset="0"/>
+              </a:rPr>
+              <a:t>1</a:t>
+            </a:r>
+            <a:r>
+              <a:rPr lang="ko-KR" sz="1800" b="1">
+                <a:solidFill>
+                  <a:srgbClr val="0611F2"/>
+                </a:solidFill>
+                <a:latin typeface="맑은 고딕" charset="0"/>
+                <a:ea typeface="맑은 고딕" charset="0"/>
+              </a:rPr>
+              <a:t>3</a:t>
+            </a:r>
+            <a:r>
+              <a:rPr sz="1800" b="1">
+                <a:solidFill>
+                  <a:srgbClr val="0611F2"/>
+                </a:solidFill>
+                <a:latin typeface="맑은 고딕" charset="0"/>
+                <a:ea typeface="맑은 고딕" charset="0"/>
+              </a:rPr>
+              <a:t>.</a:t>
+            </a:r>
+            <a:r>
+              <a:rPr sz="1800">
+                <a:latin typeface="맑은 고딕" charset="0"/>
+                <a:ea typeface="맑은 고딕" charset="0"/>
+              </a:rPr>
+              <a:t> </a:t>
+            </a:r>
+            <a:r>
+              <a:rPr lang="ko-KR" sz="1800">
+                <a:solidFill>
+                  <a:schemeClr val="tx1"/>
+                </a:solidFill>
+                <a:latin typeface="맑은 고딕" charset="0"/>
+                <a:ea typeface="맑은 고딕" charset="0"/>
+              </a:rPr>
+              <a:t>그</a:t>
+            </a:r>
+            <a:r>
+              <a:rPr lang="ko-KR" sz="1800">
+                <a:solidFill>
+                  <a:schemeClr val="tx1"/>
+                </a:solidFill>
+                <a:latin typeface="맑은 고딕" charset="0"/>
+                <a:ea typeface="맑은 고딕" charset="0"/>
+              </a:rPr>
+              <a:t>런 다음</a:t>
+            </a:r>
+            <a:r>
+              <a:rPr lang="ko-KR" sz="1800">
+                <a:solidFill>
+                  <a:schemeClr val="tx1"/>
+                </a:solidFill>
+                <a:latin typeface="맑은 고딕" charset="0"/>
+                <a:ea typeface="맑은 고딕" charset="0"/>
+              </a:rPr>
+              <a:t> Crystal Score Text의 앵커를 지정하고 위치와 크기를 설정합니다.</a:t>
+            </a:r>
+            <a:endParaRPr lang="ko-KR" altLang="en-US" sz="1800">
+              <a:solidFill>
+                <a:schemeClr val="tx1"/>
+              </a:solidFill>
+              <a:latin typeface="맑은 고딕" charset="0"/>
+              <a:ea typeface="맑은 고딕" charset="0"/>
+            </a:endParaRPr>
+          </a:p>
+        </p:txBody>
+      </p:sp>
       <p:pic>
         <p:nvPicPr>
-          <p:cNvPr id="68" name="그림 37" descr="C:/Users/Admin1/AppData/Roaming/PolarisOffice/ETemp/20476_21866432/fImage217263086500.png"/>
+          <p:cNvPr id="32" name="그림 29" descr="C:/Users/Admin1/AppData/Roaming/PolarisOffice/ETemp/22660_12699656/fImage118363099169.png"/>
           <p:cNvPicPr>
             <a:picLocks noChangeAspect="1"/>
           </p:cNvPicPr>
           <p:nvPr/>
         </p:nvPicPr>
         <p:blipFill rotWithShape="1">
-          <a:blip r:embed="rId3" cstate="hqprint">
+          <a:blip r:embed="rId9" cstate="hqprint">
             <a:extLst>
               <a:ext uri="{28A0092B-C50C-407E-A947-70E740481C1C}">
                 <a14:useLocalDpi xmlns:a14="http://schemas.microsoft.com/office/drawing/2010/main"/>
@@ -13583,8 +13296,8 @@
         </p:blipFill>
         <p:spPr>
           <a:xfrm rot="0">
-            <a:off x="1230630" y="1440815"/>
-            <a:ext cx="2569845" cy="3689350"/>
+            <a:off x="6835775" y="1431290"/>
+            <a:ext cx="4130675" cy="1271905"/>
           </a:xfrm>
           <a:prstGeom prst="roundRect"/>
           <a:solidFill>
@@ -13592,49 +13305,18 @@
           </a:solidFill>
         </p:spPr>
       </p:pic>
-      <p:pic>
-        <p:nvPicPr>
-          <p:cNvPr id="69" name="그림 38"/>
-          <p:cNvPicPr>
-            <a:picLocks noChangeAspect="1"/>
-          </p:cNvPicPr>
+      <p:sp>
+        <p:nvSpPr>
+          <p:cNvPr id="33" name="텍스트 상자 30"/>
+          <p:cNvSpPr txBox="1">
+            <a:spLocks/>
+          </p:cNvSpPr>
           <p:nvPr/>
-        </p:nvPicPr>
-        <p:blipFill rotWithShape="1">
-          <a:blip r:embed="rId4" cstate="print">
-            <a:extLst>
-              <a:ext uri="{28A0092B-C50C-407E-A947-70E740481C1C}">
-                <a14:useLocalDpi xmlns:a14="http://schemas.microsoft.com/office/drawing/2010/main" val="0"/>
-              </a:ext>
-            </a:extLst>
-          </a:blip>
-          <a:stretch>
-            <a:fillRect/>
-          </a:stretch>
-        </p:blipFill>
-        <p:spPr>
-          <a:xfrm rot="0">
-            <a:off x="6835775" y="1431290"/>
-            <a:ext cx="4130040" cy="1271270"/>
-          </a:xfrm>
-          <a:prstGeom prst="roundRect"/>
-          <a:solidFill>
-            <a:srgbClr val="EDEDED"/>
-          </a:solidFill>
-        </p:spPr>
-      </p:pic>
-      <p:sp>
-        <p:nvSpPr>
-          <p:cNvPr id="70" name="텍스트 상자 1"/>
-          <p:cNvSpPr txBox="1">
-            <a:spLocks/>
-          </p:cNvSpPr>
-          <p:nvPr/>
-        </p:nvSpPr>
-        <p:spPr>
-          <a:xfrm rot="0">
-            <a:off x="6843395" y="5269865"/>
-            <a:ext cx="4119245" cy="923925"/>
+        </p:nvSpPr>
+        <p:spPr>
+          <a:xfrm rot="0">
+            <a:off x="6835140" y="5236845"/>
+            <a:ext cx="4119880" cy="923925"/>
           </a:xfrm>
           <a:prstGeom prst="rect"/>
           <a:noFill/>
@@ -13698,17 +13380,7 @@
                 <a:latin typeface="맑은 고딕" charset="0"/>
                 <a:ea typeface="맑은 고딕" charset="0"/>
               </a:rPr>
-              <a:t>그</a:t>
-            </a:r>
-            <a:r>
-              <a:rPr lang="ko-KR" sz="1800">
-                <a:solidFill>
-                  <a:schemeClr val="tx1"/>
-                </a:solidFill>
-                <a:latin typeface="맑은 고딕" charset="0"/>
-                <a:ea typeface="맑은 고딕" charset="0"/>
-              </a:rPr>
-              <a:t>런 다음</a:t>
+              <a:t>마지막으로</a:t>
             </a:r>
             <a:r>
               <a:rPr lang="ko-KR" sz="1800">
@@ -13732,14 +13404,14 @@
       </p:sp>
       <p:pic>
         <p:nvPicPr>
-          <p:cNvPr id="71" name="그림 2" descr="C:/Users/Admin1/AppData/Roaming/PolarisOffice/ETemp/20476_21866432/fImage116732928467.png"/>
+          <p:cNvPr id="34" name="그림 31" descr="C:/Users/Admin1/AppData/Roaming/PolarisOffice/ETemp/22660_12699656/fImage116732928467.png"/>
           <p:cNvPicPr>
             <a:picLocks noChangeAspect="1"/>
           </p:cNvPicPr>
           <p:nvPr/>
         </p:nvPicPr>
         <p:blipFill rotWithShape="1">
-          <a:blip r:embed="rId6" cstate="hqprint">
+          <a:blip r:embed="rId10" cstate="hqprint">
             <a:extLst>
               <a:ext uri="{28A0092B-C50C-407E-A947-70E740481C1C}">
                 <a14:useLocalDpi xmlns:a14="http://schemas.microsoft.com/office/drawing/2010/main"/>
@@ -13753,7 +13425,7 @@
         <p:spPr>
           <a:xfrm rot="0">
             <a:off x="6849110" y="3874770"/>
-            <a:ext cx="4116705" cy="1296035"/>
+            <a:ext cx="4117340" cy="1254760"/>
           </a:xfrm>
           <a:prstGeom prst="roundRect"/>
           <a:solidFill>
@@ -13785,7 +13457,7 @@
 </file>
 
 <file path=ppt/slides/slide7.xml><?xml version="1.0" encoding="utf-8"?>
-<p:sld xmlns:a="http://schemas.openxmlformats.org/drawingml/2006/main" xmlns:r="http://schemas.openxmlformats.org/officeDocument/2006/relationships" xmlns:p="http://schemas.openxmlformats.org/presentationml/2006/main">
+<p:sld xmlns:a="http://schemas.openxmlformats.org/drawingml/2006/main" xmlns:r="http://schemas.openxmlformats.org/officeDocument/2006/relationships" xmlns:p="http://schemas.openxmlformats.org/presentationml/2006/main" xmlns:p14="http://schemas.microsoft.com/office/powerpoint/2010/main">
   <p:cSld>
     <p:spTree>
       <p:nvGrpSpPr>
@@ -13810,7 +13482,7 @@
           <p:nvPr/>
         </p:nvSpPr>
         <p:spPr>
-          <a:xfrm rot="0">
+          <a:xfrm>
             <a:off x="4340225" y="407670"/>
             <a:ext cx="3508375" cy="554990"/>
           </a:xfrm>
@@ -13854,7 +13526,7 @@
       </p:sp>
       <p:sp>
         <p:nvSpPr>
-          <p:cNvPr id="70" name="Rect 0"/>
+          <p:cNvPr id="23" name="텍스트 상자 35"/>
           <p:cNvSpPr txBox="1">
             <a:spLocks/>
           </p:cNvSpPr>
@@ -13862,8 +13534,8 @@
         </p:nvSpPr>
         <p:spPr>
           <a:xfrm rot="0">
-            <a:off x="6843395" y="4995545"/>
-            <a:ext cx="4114165" cy="1200785"/>
+            <a:off x="1238885" y="2934970"/>
+            <a:ext cx="4133215" cy="923925"/>
           </a:xfrm>
           <a:prstGeom prst="rect"/>
           <a:noFill/>
@@ -13890,17 +13562,7 @@
                 <a:latin typeface="맑은 고딕" charset="0"/>
                 <a:ea typeface="맑은 고딕" charset="0"/>
               </a:rPr>
-              <a:t>1</a:t>
-            </a:r>
-            <a:r>
-              <a:rPr lang="ko-KR" sz="1800" b="1">
-                <a:solidFill>
-                  <a:srgbClr val="0611F2"/>
-                </a:solidFill>
-                <a:latin typeface="맑은 고딕" charset="0"/>
-                <a:ea typeface="맑은 고딕" charset="0"/>
-              </a:rPr>
-              <a:t>6</a:t>
+              <a:t>15</a:t>
             </a:r>
             <a:r>
               <a:rPr sz="1800" b="1">
@@ -13937,7 +13599,7 @@
                 <a:latin typeface="맑은 고딕" charset="0"/>
                 <a:ea typeface="맑은 고딕" charset="0"/>
               </a:rPr>
-              <a:t> Score Panel 오브젝트의 </a:t>
+              <a:t> UIManager 스크립트에서 </a:t>
             </a:r>
             <a:r>
               <a:rPr lang="ko-KR" sz="1800">
@@ -13947,17 +13609,7 @@
                 <a:latin typeface="맑은 고딕" charset="0"/>
                 <a:ea typeface="맑은 고딕" charset="0"/>
               </a:rPr>
-              <a:t>이미지 컴포넌트에 Texture 폴더에 있는 Score Panel 텍스처를 넣어줍니다</a:t>
-            </a:r>
-            <a:r>
-              <a:rPr lang="ko-KR" sz="1800">
-                <a:solidFill>
-                  <a:schemeClr val="tx1"/>
-                </a:solidFill>
-                <a:latin typeface="맑은 고딕" charset="0"/>
-                <a:ea typeface="맑은 고딕" charset="0"/>
-              </a:rPr>
-              <a:t>.</a:t>
+              <a:t>GetLeaderboardRequest 변수를 선언합니다.</a:t>
             </a:r>
             <a:endParaRPr lang="ko-KR" altLang="en-US" sz="1800">
               <a:solidFill>
@@ -13969,9 +13621,40 @@
           </a:p>
         </p:txBody>
       </p:sp>
-      <p:sp>
-        <p:nvSpPr>
-          <p:cNvPr id="72" name="텍스트 상자 13"/>
+      <p:pic>
+        <p:nvPicPr>
+          <p:cNvPr id="24" name="그림 36" descr="C:/Users/Admin1/AppData/Roaming/PolarisOffice/ETemp/22660_12699656/fImage83641659169.png"/>
+          <p:cNvPicPr>
+            <a:picLocks noChangeAspect="1"/>
+          </p:cNvPicPr>
+          <p:nvPr/>
+        </p:nvPicPr>
+        <p:blipFill rotWithShape="1">
+          <a:blip r:embed="rId7" cstate="print">
+            <a:extLst>
+              <a:ext uri="{28A0092B-C50C-407E-A947-70E740481C1C}">
+                <a14:useLocalDpi xmlns:a14="http://schemas.microsoft.com/office/drawing/2010/main" val="0"/>
+              </a:ext>
+            </a:extLst>
+          </a:blip>
+          <a:stretch>
+            <a:fillRect/>
+          </a:stretch>
+        </p:blipFill>
+        <p:spPr>
+          <a:xfrm rot="0">
+            <a:off x="1238250" y="1454785"/>
+            <a:ext cx="4140835" cy="1414145"/>
+          </a:xfrm>
+          <a:prstGeom prst="roundRect"/>
+          <a:solidFill>
+            <a:srgbClr val="EDEDED"/>
+          </a:solidFill>
+        </p:spPr>
+      </p:pic>
+      <p:sp>
+        <p:nvSpPr>
+          <p:cNvPr id="25" name="텍스트 상자 40"/>
           <p:cNvSpPr txBox="1">
             <a:spLocks/>
           </p:cNvSpPr>
@@ -13979,8 +13662,8 @@
         </p:nvSpPr>
         <p:spPr>
           <a:xfrm rot="0">
-            <a:off x="1255395" y="5270500"/>
-            <a:ext cx="4132580" cy="923925"/>
+            <a:off x="6843395" y="4987290"/>
+            <a:ext cx="4130675" cy="1200785"/>
           </a:xfrm>
           <a:prstGeom prst="rect"/>
           <a:noFill/>
@@ -14007,7 +13690,17 @@
                 <a:latin typeface="맑은 고딕" charset="0"/>
                 <a:ea typeface="맑은 고딕" charset="0"/>
               </a:rPr>
-              <a:t>15</a:t>
+              <a:t>1</a:t>
+            </a:r>
+            <a:r>
+              <a:rPr lang="ko-KR" sz="1800" b="1">
+                <a:solidFill>
+                  <a:srgbClr val="0611F2"/>
+                </a:solidFill>
+                <a:latin typeface="맑은 고딕" charset="0"/>
+                <a:ea typeface="맑은 고딕" charset="0"/>
+              </a:rPr>
+              <a:t>7</a:t>
             </a:r>
             <a:r>
               <a:rPr sz="1800" b="1">
@@ -14034,7 +13727,17 @@
                 <a:latin typeface="맑은 고딕" charset="0"/>
                 <a:ea typeface="맑은 고딕" charset="0"/>
               </a:rPr>
-              <a:t>그다음 UIManager 스크립트에서 UIManager를 싱글톤 패턴으로 선언하고 텍스트 변수를 선언합니다.</a:t>
+              <a:t>그런 다음</a:t>
+            </a:r>
+            <a:r>
+              <a:rPr lang="ko-KR" sz="1800">
+                <a:solidFill>
+                  <a:schemeClr val="tx1"/>
+                </a:solidFill>
+                <a:latin typeface="맑은 고딕" charset="0"/>
+                <a:ea typeface="맑은 고딕" charset="0"/>
+              </a:rPr>
+              <a:t> Score Panel 오브젝트의 이미지 컴포넌트에 Texture 폴더에 있는 Score Panel 텍스처를 넣어줍니다.</a:t>
             </a:r>
             <a:endParaRPr lang="ko-KR" altLang="en-US" sz="1800">
               <a:solidFill>
@@ -14048,14 +13751,14 @@
       </p:sp>
       <p:pic>
         <p:nvPicPr>
-          <p:cNvPr id="73" name="그림 14" descr="C:/Users/Admin1/AppData/Roaming/PolarisOffice/ETemp/20476_21866432/fImage1537327441.png"/>
+          <p:cNvPr id="26" name="그림 41" descr="C:/Users/Admin1/AppData/Roaming/PolarisOffice/ETemp/22660_12699656/fImage164632916334.png"/>
           <p:cNvPicPr>
             <a:picLocks noChangeAspect="1"/>
           </p:cNvPicPr>
           <p:nvPr/>
         </p:nvPicPr>
         <p:blipFill rotWithShape="1">
-          <a:blip r:embed="rId2" cstate="hqprint">
+          <a:blip r:embed="rId8" cstate="hqprint">
             <a:extLst>
               <a:ext uri="{28A0092B-C50C-407E-A947-70E740481C1C}">
                 <a14:useLocalDpi xmlns:a14="http://schemas.microsoft.com/office/drawing/2010/main"/>
@@ -14068,8 +13771,8 @@
         </p:blipFill>
         <p:spPr>
           <a:xfrm rot="0">
-            <a:off x="1247140" y="1446530"/>
-            <a:ext cx="4140835" cy="3691255"/>
+            <a:off x="6840220" y="1445895"/>
+            <a:ext cx="4150360" cy="2080260"/>
           </a:xfrm>
           <a:prstGeom prst="roundRect"/>
           <a:solidFill>
@@ -14079,17 +13782,17 @@
       </p:pic>
       <p:pic>
         <p:nvPicPr>
-          <p:cNvPr id="74" name="그림 30" descr="C:/Users/Admin1/AppData/Roaming/PolarisOffice/ETemp/20476_21866432/fImage164632916334.png"/>
+          <p:cNvPr id="27" name="그림 42" descr="C:/Users/Admin1/AppData/Roaming/PolarisOffice/ETemp/22660_12699656/fImage296172926500.png"/>
           <p:cNvPicPr>
             <a:picLocks noChangeAspect="1"/>
           </p:cNvPicPr>
           <p:nvPr/>
         </p:nvPicPr>
         <p:blipFill rotWithShape="1">
-          <a:blip r:embed="rId3" cstate="print">
+          <a:blip r:embed="rId9" cstate="hqprint">
             <a:extLst>
               <a:ext uri="{28A0092B-C50C-407E-A947-70E740481C1C}">
-                <a14:useLocalDpi xmlns:a14="http://schemas.microsoft.com/office/drawing/2010/main" val="0"/>
+                <a14:useLocalDpi xmlns:a14="http://schemas.microsoft.com/office/drawing/2010/main"/>
               </a:ext>
             </a:extLst>
           </a:blip>
@@ -14099,8 +13802,8 @@
         </p:blipFill>
         <p:spPr>
           <a:xfrm rot="0">
-            <a:off x="6840220" y="1445895"/>
-            <a:ext cx="4117340" cy="2079625"/>
+            <a:off x="6838950" y="3710940"/>
+            <a:ext cx="4143375" cy="1211580"/>
           </a:xfrm>
           <a:prstGeom prst="roundRect"/>
           <a:solidFill>
@@ -14108,52 +13811,20 @@
           </a:solidFill>
         </p:spPr>
       </p:pic>
-      <p:pic>
-        <p:nvPicPr>
-          <p:cNvPr id="75" name="그림 33" descr="C:/Users/Admin1/AppData/Roaming/PolarisOffice/ETemp/20476_21866432/fImage296172926500.png"/>
-          <p:cNvPicPr>
-            <a:picLocks noChangeAspect="1"/>
-          </p:cNvPicPr>
-          <p:nvPr/>
-        </p:nvPicPr>
-        <p:blipFill rotWithShape="1">
-          <a:blip r:embed="rId4" cstate="print">
-            <a:extLst>
-              <a:ext uri="{28A0092B-C50C-407E-A947-70E740481C1C}">
-                <a14:useLocalDpi xmlns:a14="http://schemas.microsoft.com/office/drawing/2010/main" val="0"/>
-              </a:ext>
-            </a:extLst>
-          </a:blip>
-          <a:stretch>
-            <a:fillRect/>
-          </a:stretch>
-        </p:blipFill>
-        <p:spPr>
-          <a:xfrm rot="0">
-            <a:off x="6838950" y="3710940"/>
-            <a:ext cx="4118610" cy="1210945"/>
-          </a:xfrm>
-          <a:prstGeom prst="roundRect"/>
-          <a:solidFill>
-            <a:srgbClr val="EDEDED"/>
-          </a:solidFill>
-        </p:spPr>
-      </p:pic>
       <p:cxnSp>
         <p:nvCxnSpPr>
-          <p:cNvPr id="76" name="도형 36"/>
+          <p:cNvPr id="28" name="도형 43"/>
           <p:cNvCxnSpPr/>
           <p:nvPr/>
         </p:nvCxnSpPr>
         <p:spPr>
           <a:xfrm rot="0" flipV="1">
-            <a:off x="10449560" y="1779270"/>
-            <a:ext cx="374650" cy="2344420"/>
+            <a:off x="10449560" y="1745615"/>
+            <a:ext cx="407670" cy="2378710"/>
           </a:xfrm>
           <a:prstGeom prst="straightConnector1"/>
           <a:ln w="6350" cap="flat" cmpd="sng">
             <a:prstDash/>
-            <a:headEnd type="none" w="med" len="med"/>
             <a:tailEnd type="triangle" w="med" len="med"/>
           </a:ln>
         </p:spPr>
@@ -14172,6 +13843,124 @@
           </a:fontRef>
         </p:style>
       </p:cxnSp>
+      <p:pic>
+        <p:nvPicPr>
+          <p:cNvPr id="29" name="그림 47" descr="C:/Users/Admin1/AppData/Roaming/PolarisOffice/ETemp/22660_12699656/fImage119391745724.png"/>
+          <p:cNvPicPr>
+            <a:picLocks noChangeAspect="1"/>
+          </p:cNvPicPr>
+          <p:nvPr/>
+        </p:nvPicPr>
+        <p:blipFill rotWithShape="1">
+          <a:blip r:embed="rId10" cstate="print">
+            <a:extLst>
+              <a:ext uri="{28A0092B-C50C-407E-A947-70E740481C1C}">
+                <a14:useLocalDpi xmlns:a14="http://schemas.microsoft.com/office/drawing/2010/main" val="0"/>
+              </a:ext>
+            </a:extLst>
+          </a:blip>
+          <a:stretch>
+            <a:fillRect/>
+          </a:stretch>
+        </p:blipFill>
+        <p:spPr>
+          <a:xfrm rot="0">
+            <a:off x="1236345" y="3941445"/>
+            <a:ext cx="4142740" cy="1280160"/>
+          </a:xfrm>
+          <a:prstGeom prst="roundRect"/>
+          <a:solidFill>
+            <a:srgbClr val="EDEDED"/>
+          </a:solidFill>
+        </p:spPr>
+      </p:pic>
+      <p:sp>
+        <p:nvSpPr>
+          <p:cNvPr id="30" name="텍스트 상자 50"/>
+          <p:cNvSpPr txBox="1">
+            <a:spLocks/>
+          </p:cNvSpPr>
+          <p:nvPr/>
+        </p:nvSpPr>
+        <p:spPr>
+          <a:xfrm rot="0">
+            <a:off x="1235710" y="5259705"/>
+            <a:ext cx="4133215" cy="923925"/>
+          </a:xfrm>
+          <a:prstGeom prst="rect"/>
+          <a:noFill/>
+          <a:ln w="0">
+            <a:noFill/>
+            <a:prstDash/>
+          </a:ln>
+        </p:spPr>
+        <p:txBody>
+          <a:bodyPr wrap="square" lIns="89535" tIns="46355" rIns="89535" bIns="46355" numCol="1" vert="horz" anchor="t">
+            <a:spAutoFit/>
+          </a:bodyPr>
+          <a:lstStyle/>
+          <a:p>
+            <a:pPr marL="0" indent="0" rtl="0" algn="l" defTabSz="914400" eaLnBrk="1" latinLnBrk="0" hangingPunct="1">
+              <a:buFontTx/>
+              <a:buNone/>
+            </a:pPr>
+            <a:r>
+              <a:rPr lang="ko-KR" sz="1800" b="1">
+                <a:solidFill>
+                  <a:srgbClr val="0611F2"/>
+                </a:solidFill>
+                <a:latin typeface="맑은 고딕" charset="0"/>
+                <a:ea typeface="맑은 고딕" charset="0"/>
+              </a:rPr>
+              <a:t>1</a:t>
+            </a:r>
+            <a:r>
+              <a:rPr lang="ko-KR" sz="1800" b="1">
+                <a:solidFill>
+                  <a:srgbClr val="0611F2"/>
+                </a:solidFill>
+                <a:latin typeface="맑은 고딕" charset="0"/>
+                <a:ea typeface="맑은 고딕" charset="0"/>
+              </a:rPr>
+              <a:t>6</a:t>
+            </a:r>
+            <a:r>
+              <a:rPr sz="1800" b="1">
+                <a:solidFill>
+                  <a:srgbClr val="0611F2"/>
+                </a:solidFill>
+                <a:latin typeface="맑은 고딕" charset="0"/>
+                <a:ea typeface="맑은 고딕" charset="0"/>
+              </a:rPr>
+              <a:t>.</a:t>
+            </a:r>
+            <a:r>
+              <a:rPr sz="1800">
+                <a:latin typeface="맑은 고딕" charset="0"/>
+                <a:ea typeface="맑은 고딕" charset="0"/>
+              </a:rPr>
+              <a:t> </a:t>
+            </a:r>
+            <a:r>
+              <a:rPr lang="ko-KR" sz="1800">
+                <a:solidFill>
+                  <a:schemeClr val="tx1"/>
+                </a:solidFill>
+                <a:latin typeface="맑은 고딕" charset="0"/>
+                <a:ea typeface="맑은 고딕" charset="0"/>
+              </a:rPr>
+              <a:t>그다음 User Interface Manager 오브젝트의 위치와 회전을 초기화합니다.</a:t>
+            </a:r>
+            <a:endParaRPr lang="ko-KR" altLang="en-US" sz="1800">
+              <a:solidFill>
+                <a:schemeClr val="tx1"/>
+              </a:solidFill>
+              <a:latin typeface="맑은 고딕" charset="0"/>
+              <a:ea typeface="맑은 고딕" charset="0"/>
+            </a:endParaRPr>
+          </a:p>
+        </p:txBody>
+      </p:sp>
     </p:spTree>
   </p:cSld>
   <p:clrMapOvr>
@@ -14196,7 +13985,7 @@
 </file>
 
 <file path=ppt/slides/slide8.xml><?xml version="1.0" encoding="utf-8"?>
-<p:sld xmlns:a="http://schemas.openxmlformats.org/drawingml/2006/main" xmlns:r="http://schemas.openxmlformats.org/officeDocument/2006/relationships" xmlns:p="http://schemas.openxmlformats.org/presentationml/2006/main">
+<p:sld xmlns:a="http://schemas.openxmlformats.org/drawingml/2006/main" xmlns:r="http://schemas.openxmlformats.org/officeDocument/2006/relationships" xmlns:p="http://schemas.openxmlformats.org/presentationml/2006/main" xmlns:p14="http://schemas.microsoft.com/office/powerpoint/2010/main">
   <p:cSld>
     <p:spTree>
       <p:nvGrpSpPr>
@@ -14273,8 +14062,8 @@
         </p:nvSpPr>
         <p:spPr>
           <a:xfrm rot="0">
-            <a:off x="6876415" y="5269865"/>
-            <a:ext cx="4081145" cy="923925"/>
+            <a:off x="6835140" y="4438650"/>
+            <a:ext cx="4122420" cy="1754505"/>
           </a:xfrm>
           <a:prstGeom prst="rect"/>
           <a:noFill/>
@@ -14311,7 +14100,7 @@
                 <a:latin typeface="맑은 고딕" charset="0"/>
                 <a:ea typeface="맑은 고딕" charset="0"/>
               </a:rPr>
-              <a:t>8</a:t>
+              <a:t>9</a:t>
             </a:r>
             <a:r>
               <a:rPr sz="1800" b="1">
@@ -14338,7 +14127,7 @@
                 <a:latin typeface="맑은 고딕" charset="0"/>
                 <a:ea typeface="맑은 고딕" charset="0"/>
               </a:rPr>
-              <a:t>그다음으로</a:t>
+              <a:t>그러고 나서</a:t>
             </a:r>
             <a:r>
               <a:rPr lang="ko-KR" sz="1800">
@@ -14348,7 +14137,7 @@
                 <a:latin typeface="맑은 고딕" charset="0"/>
                 <a:ea typeface="맑은 고딕" charset="0"/>
               </a:rPr>
-              <a:t> </a:t>
+              <a:t> UI에서 </a:t>
             </a:r>
             <a:r>
               <a:rPr lang="ko-KR" sz="1800">
@@ -14358,7 +14147,27 @@
                 <a:latin typeface="맑은 고딕" charset="0"/>
                 <a:ea typeface="맑은 고딕" charset="0"/>
               </a:rPr>
-              <a:t>UI에서 Image를 생성하고 Leader Border Panel이라는 이름으로 정의합니다.</a:t>
+              <a:t>Button 2개를</a:t>
+            </a:r>
+            <a:r>
+              <a:rPr lang="ko-KR" sz="1800">
+                <a:solidFill>
+                  <a:schemeClr val="tx1"/>
+                </a:solidFill>
+                <a:latin typeface="맑은 고딕" charset="0"/>
+                <a:ea typeface="맑은 고딕" charset="0"/>
+              </a:rPr>
+              <a:t> 생성</a:t>
+            </a:r>
+            <a:r>
+              <a:rPr lang="ko-KR" sz="1800">
+                <a:solidFill>
+                  <a:schemeClr val="tx1"/>
+                </a:solidFill>
+                <a:latin typeface="맑은 고딕" charset="0"/>
+                <a:ea typeface="맑은 고딕" charset="0"/>
+              </a:rPr>
+              <a:t>합니다.</a:t>
             </a:r>
             <a:endParaRPr lang="ko-KR" altLang="en-US" sz="1800">
               <a:solidFill>
@@ -14368,75 +14177,11 @@
               <a:ea typeface="맑은 고딕" charset="0"/>
             </a:endParaRPr>
           </a:p>
-        </p:txBody>
-      </p:sp>
-      <p:sp>
-        <p:nvSpPr>
-          <p:cNvPr id="72" name="Rect 0"/>
-          <p:cNvSpPr txBox="1">
-            <a:spLocks/>
-          </p:cNvSpPr>
-          <p:nvPr/>
-        </p:nvSpPr>
-        <p:spPr>
-          <a:xfrm rot="0">
-            <a:off x="1255395" y="5270500"/>
-            <a:ext cx="4132580" cy="923925"/>
-          </a:xfrm>
-          <a:prstGeom prst="rect"/>
-          <a:noFill/>
-          <a:ln w="0">
-            <a:noFill/>
-            <a:prstDash/>
-          </a:ln>
-        </p:spPr>
-        <p:txBody>
-          <a:bodyPr wrap="square" lIns="89535" tIns="46355" rIns="89535" bIns="46355" numCol="1" vert="horz" anchor="t">
-            <a:spAutoFit/>
-          </a:bodyPr>
-          <a:lstStyle/>
           <a:p>
             <a:pPr marL="0" indent="0" rtl="0" algn="l" defTabSz="914400" eaLnBrk="1" latinLnBrk="0" hangingPunct="1">
               <a:buFontTx/>
               <a:buNone/>
             </a:pPr>
-            <a:r>
-              <a:rPr lang="ko-KR" sz="1800" b="1">
-                <a:solidFill>
-                  <a:srgbClr val="0611F2"/>
-                </a:solidFill>
-                <a:latin typeface="맑은 고딕" charset="0"/>
-                <a:ea typeface="맑은 고딕" charset="0"/>
-              </a:rPr>
-              <a:t>17</a:t>
-            </a:r>
-            <a:r>
-              <a:rPr sz="1800" b="1">
-                <a:solidFill>
-                  <a:srgbClr val="0611F2"/>
-                </a:solidFill>
-                <a:latin typeface="맑은 고딕" charset="0"/>
-                <a:ea typeface="맑은 고딕" charset="0"/>
-              </a:rPr>
-              <a:t>.</a:t>
-            </a:r>
-            <a:r>
-              <a:rPr sz="1800">
-                <a:latin typeface="맑은 고딕" charset="0"/>
-                <a:ea typeface="맑은 고딕" charset="0"/>
-              </a:rPr>
-              <a:t> </a:t>
-            </a:r>
-            <a:r>
-              <a:rPr lang="ko-KR" sz="1800">
-                <a:solidFill>
-                  <a:schemeClr val="tx1"/>
-                </a:solidFill>
-                <a:latin typeface="맑은 고딕" charset="0"/>
-                <a:ea typeface="맑은 고딕" charset="0"/>
-              </a:rPr>
-              <a:t>그리고 Crystal Score Text의 텍스트 컴포넌트에 Font Size와 Alignment를 설정합니다.</a:t>
-            </a:r>
             <a:endParaRPr lang="ko-KR" altLang="en-US" sz="1800">
               <a:solidFill>
                 <a:schemeClr val="tx1"/>
@@ -14445,18 +14190,240 @@
               <a:ea typeface="맑은 고딕" charset="0"/>
             </a:endParaRPr>
           </a:p>
+          <a:p>
+            <a:pPr marL="0" indent="0" rtl="0" algn="l" defTabSz="914400" eaLnBrk="1" latinLnBrk="0" hangingPunct="1">
+              <a:buFontTx/>
+              <a:buNone/>
+            </a:pPr>
+            <a:r>
+              <a:rPr lang="ko-KR" sz="1800">
+                <a:solidFill>
+                  <a:schemeClr val="tx1"/>
+                </a:solidFill>
+                <a:latin typeface="맑은 고딕" charset="0"/>
+                <a:ea typeface="맑은 고딕" charset="0"/>
+              </a:rPr>
+              <a:t>마지막으로 각각의 버튼에</a:t>
+            </a:r>
+            <a:r>
+              <a:rPr lang="ko-KR" sz="1800">
+                <a:solidFill>
+                  <a:schemeClr val="tx1"/>
+                </a:solidFill>
+                <a:latin typeface="맑은 고딕" charset="0"/>
+                <a:ea typeface="맑은 고딕" charset="0"/>
+              </a:rPr>
+              <a:t> Leader Border </a:t>
+            </a:r>
+            <a:r>
+              <a:rPr lang="ko-KR" sz="1800">
+                <a:solidFill>
+                  <a:schemeClr val="tx1"/>
+                </a:solidFill>
+                <a:latin typeface="맑은 고딕" charset="0"/>
+                <a:ea typeface="맑은 고딕" charset="0"/>
+              </a:rPr>
+              <a:t>Button</a:t>
+            </a:r>
+            <a:r>
+              <a:rPr lang="ko-KR" sz="1800">
+                <a:solidFill>
+                  <a:schemeClr val="tx1"/>
+                </a:solidFill>
+                <a:latin typeface="맑은 고딕" charset="0"/>
+                <a:ea typeface="맑은 고딕" charset="0"/>
+              </a:rPr>
+              <a:t>이라는</a:t>
+            </a:r>
+            <a:r>
+              <a:rPr lang="ko-KR" sz="1800">
+                <a:solidFill>
+                  <a:schemeClr val="tx1"/>
+                </a:solidFill>
+                <a:latin typeface="맑은 고딕" charset="0"/>
+                <a:ea typeface="맑은 고딕" charset="0"/>
+              </a:rPr>
+              <a:t> 이름과 Shop Button이라는 이름으로</a:t>
+            </a:r>
+            <a:r>
+              <a:rPr lang="ko-KR" sz="1800">
+                <a:solidFill>
+                  <a:schemeClr val="tx1"/>
+                </a:solidFill>
+                <a:latin typeface="맑은 고딕" charset="0"/>
+                <a:ea typeface="맑은 고딕" charset="0"/>
+              </a:rPr>
+              <a:t> 정의합니다.</a:t>
+            </a:r>
+            <a:endParaRPr lang="ko-KR" altLang="en-US" sz="1800">
+              <a:solidFill>
+                <a:schemeClr val="tx1"/>
+              </a:solidFill>
+              <a:latin typeface="맑은 고딕" charset="0"/>
+              <a:ea typeface="맑은 고딕" charset="0"/>
+            </a:endParaRPr>
+          </a:p>
+        </p:txBody>
+      </p:sp>
+      <p:sp>
+        <p:nvSpPr>
+          <p:cNvPr id="72" name="Rect 0"/>
+          <p:cNvSpPr txBox="1">
+            <a:spLocks/>
+          </p:cNvSpPr>
+          <p:nvPr/>
+        </p:nvSpPr>
+        <p:spPr>
+          <a:xfrm>
+            <a:off x="1255395" y="5270500"/>
+            <a:ext cx="4133215" cy="923925"/>
+          </a:xfrm>
+          <a:prstGeom prst="rect"/>
+          <a:noFill/>
+          <a:ln w="0">
+            <a:noFill/>
+            <a:prstDash/>
+          </a:ln>
+        </p:spPr>
+        <p:txBody>
+          <a:bodyPr wrap="square" lIns="89535" tIns="46355" rIns="89535" bIns="46355" numCol="1" vert="horz" anchor="t">
+            <a:spAutoFit/>
+          </a:bodyPr>
+          <a:lstStyle/>
+          <a:p>
+            <a:pPr marL="0" indent="0" rtl="0" algn="l" defTabSz="914400" eaLnBrk="1" latinLnBrk="0" hangingPunct="1">
+              <a:buFontTx/>
+              <a:buNone/>
+            </a:pPr>
+            <a:r>
+              <a:rPr lang="ko-KR" sz="1800" b="1">
+                <a:solidFill>
+                  <a:srgbClr val="0611F2"/>
+                </a:solidFill>
+                <a:latin typeface="맑은 고딕" charset="0"/>
+                <a:ea typeface="맑은 고딕" charset="0"/>
+              </a:rPr>
+              <a:t>1</a:t>
+            </a:r>
+            <a:r>
+              <a:rPr lang="ko-KR" sz="1800" b="1">
+                <a:solidFill>
+                  <a:srgbClr val="0611F2"/>
+                </a:solidFill>
+                <a:latin typeface="맑은 고딕" charset="0"/>
+                <a:ea typeface="맑은 고딕" charset="0"/>
+              </a:rPr>
+              <a:t>8</a:t>
+            </a:r>
+            <a:r>
+              <a:rPr sz="1800" b="1">
+                <a:solidFill>
+                  <a:srgbClr val="0611F2"/>
+                </a:solidFill>
+                <a:latin typeface="맑은 고딕" charset="0"/>
+                <a:ea typeface="맑은 고딕" charset="0"/>
+              </a:rPr>
+              <a:t>.</a:t>
+            </a:r>
+            <a:r>
+              <a:rPr sz="1800">
+                <a:latin typeface="맑은 고딕" charset="0"/>
+                <a:ea typeface="맑은 고딕" charset="0"/>
+              </a:rPr>
+              <a:t> </a:t>
+            </a:r>
+            <a:r>
+              <a:rPr lang="ko-KR" sz="1800">
+                <a:solidFill>
+                  <a:schemeClr val="tx1"/>
+                </a:solidFill>
+                <a:latin typeface="맑은 고딕" charset="0"/>
+                <a:ea typeface="맑은 고딕" charset="0"/>
+              </a:rPr>
+              <a:t>그리고 Crystal Score Text의 텍스트 컴포넌트에 Font Size와 Alignment를 설정합니다.</a:t>
+            </a:r>
+            <a:endParaRPr lang="ko-KR" altLang="en-US" sz="1800">
+              <a:solidFill>
+                <a:schemeClr val="tx1"/>
+              </a:solidFill>
+              <a:latin typeface="맑은 고딕" charset="0"/>
+              <a:ea typeface="맑은 고딕" charset="0"/>
+            </a:endParaRPr>
+          </a:p>
         </p:txBody>
       </p:sp>
       <p:pic>
         <p:nvPicPr>
-          <p:cNvPr id="77" name="그림 37" descr="C:/Users/Admin1/AppData/Roaming/PolarisOffice/ETemp/20476_21866432/fImage146823049169.png"/>
+          <p:cNvPr id="77" name="그림 37" descr="C:/Users/Admin1/AppData/Roaming/PolarisOffice/ETemp/22660_12699656/fImage146823049169.png"/>
           <p:cNvPicPr>
             <a:picLocks noChangeAspect="1"/>
           </p:cNvPicPr>
           <p:nvPr/>
         </p:nvPicPr>
         <p:blipFill rotWithShape="1">
-          <a:blip r:embed="rId2" cstate="print">
+          <a:blip r:embed="rId2" cstate="hqprint">
+            <a:extLst>
+              <a:ext uri="{28A0092B-C50C-407E-A947-70E740481C1C}">
+                <a14:useLocalDpi xmlns:a14="http://schemas.microsoft.com/office/drawing/2010/main"/>
+              </a:ext>
+            </a:extLst>
+          </a:blip>
+          <a:stretch>
+            <a:fillRect/>
+          </a:stretch>
+        </p:blipFill>
+        <p:spPr>
+          <a:xfrm rot="0">
+            <a:off x="1238885" y="1471295"/>
+            <a:ext cx="4132580" cy="3609340"/>
+          </a:xfrm>
+          <a:prstGeom prst="roundRect"/>
+          <a:solidFill>
+            <a:srgbClr val="EDEDED"/>
+          </a:solidFill>
+        </p:spPr>
+      </p:pic>
+      <p:pic>
+        <p:nvPicPr>
+          <p:cNvPr id="80" name="그림 58" descr="C:/Users/Admin1/AppData/Roaming/PolarisOffice/ETemp/22660_12699656/fImage191381811478.png"/>
+          <p:cNvPicPr>
+            <a:picLocks noChangeAspect="1"/>
+          </p:cNvPicPr>
+          <p:nvPr/>
+        </p:nvPicPr>
+        <p:blipFill rotWithShape="1">
+          <a:blip r:embed="rId6" cstate="hqprint">
+            <a:extLst>
+              <a:ext uri="{28A0092B-C50C-407E-A947-70E740481C1C}">
+                <a14:useLocalDpi xmlns:a14="http://schemas.microsoft.com/office/drawing/2010/main"/>
+              </a:ext>
+            </a:extLst>
+          </a:blip>
+          <a:stretch>
+            <a:fillRect/>
+          </a:stretch>
+        </p:blipFill>
+        <p:spPr>
+          <a:xfrm rot="0">
+            <a:off x="6833235" y="1471295"/>
+            <a:ext cx="2519680" cy="2810510"/>
+          </a:xfrm>
+          <a:prstGeom prst="roundRect"/>
+          <a:solidFill>
+            <a:srgbClr val="EDEDED"/>
+          </a:solidFill>
+        </p:spPr>
+      </p:pic>
+      <p:pic>
+        <p:nvPicPr>
+          <p:cNvPr id="81" name="그림 62" descr="C:/Users/Admin1/AppData/Roaming/PolarisOffice/ETemp/22660_12699656/fImage166781839358.png"/>
+          <p:cNvPicPr>
+            <a:picLocks noChangeAspect="1"/>
+          </p:cNvPicPr>
+          <p:nvPr/>
+        </p:nvPicPr>
+        <p:blipFill rotWithShape="1">
+          <a:blip r:embed="rId7" cstate="print">
             <a:extLst>
               <a:ext uri="{28A0092B-C50C-407E-A947-70E740481C1C}">
                 <a14:useLocalDpi xmlns:a14="http://schemas.microsoft.com/office/drawing/2010/main" val="0"/>
@@ -14469,70 +14436,8 @@
         </p:blipFill>
         <p:spPr>
           <a:xfrm rot="0">
-            <a:off x="1238885" y="1447800"/>
-            <a:ext cx="4131945" cy="3632200"/>
-          </a:xfrm>
-          <a:prstGeom prst="roundRect"/>
-          <a:solidFill>
-            <a:srgbClr val="EDEDED"/>
-          </a:solidFill>
-        </p:spPr>
-      </p:pic>
-      <p:pic>
-        <p:nvPicPr>
-          <p:cNvPr id="78" name="그림 40" descr="C:/Users/Admin1/AppData/Roaming/PolarisOffice/ETemp/20476_21866432/fImage18500461491.png"/>
-          <p:cNvPicPr>
-            <a:picLocks noChangeAspect="1"/>
-          </p:cNvPicPr>
-          <p:nvPr/>
-        </p:nvPicPr>
-        <p:blipFill rotWithShape="1">
-          <a:blip r:embed="rId3" cstate="hqprint">
-            <a:extLst>
-              <a:ext uri="{28A0092B-C50C-407E-A947-70E740481C1C}">
-                <a14:useLocalDpi xmlns:a14="http://schemas.microsoft.com/office/drawing/2010/main"/>
-              </a:ext>
-            </a:extLst>
-          </a:blip>
-          <a:stretch>
-            <a:fillRect/>
-          </a:stretch>
-        </p:blipFill>
-        <p:spPr>
-          <a:xfrm rot="0">
-            <a:off x="6883400" y="1446530"/>
-            <a:ext cx="2394585" cy="3683000"/>
-          </a:xfrm>
-          <a:prstGeom prst="roundRect"/>
-          <a:solidFill>
-            <a:srgbClr val="EDEDED"/>
-          </a:solidFill>
-        </p:spPr>
-      </p:pic>
-      <p:pic>
-        <p:nvPicPr>
-          <p:cNvPr id="79" name="그림 41" descr="C:/Users/Admin1/AppData/Roaming/PolarisOffice/ETemp/20476_21866432/fImage176503065724.png"/>
-          <p:cNvPicPr>
-            <a:picLocks noChangeAspect="1"/>
-          </p:cNvPicPr>
-          <p:nvPr/>
-        </p:nvPicPr>
-        <p:blipFill rotWithShape="1">
-          <a:blip r:embed="rId4" cstate="print">
-            <a:extLst>
-              <a:ext uri="{28A0092B-C50C-407E-A947-70E740481C1C}">
-                <a14:useLocalDpi xmlns:a14="http://schemas.microsoft.com/office/drawing/2010/main" val="0"/>
-              </a:ext>
-            </a:extLst>
-          </a:blip>
-          <a:stretch>
-            <a:fillRect/>
-          </a:stretch>
-        </p:blipFill>
-        <p:spPr>
-          <a:xfrm rot="0">
-            <a:off x="9410700" y="1986280"/>
-            <a:ext cx="1546860" cy="2586355"/>
+            <a:off x="9484995" y="1878965"/>
+            <a:ext cx="1471930" cy="1979295"/>
           </a:xfrm>
           <a:prstGeom prst="roundRect"/>
           <a:solidFill>
@@ -14564,7 +14469,7 @@
 </file>
 
 <file path=ppt/slides/slide9.xml><?xml version="1.0" encoding="utf-8"?>
-<p:sld xmlns:a="http://schemas.openxmlformats.org/drawingml/2006/main" xmlns:r="http://schemas.openxmlformats.org/officeDocument/2006/relationships" xmlns:p="http://schemas.openxmlformats.org/presentationml/2006/main">
+<p:sld xmlns:a="http://schemas.openxmlformats.org/drawingml/2006/main" xmlns:r="http://schemas.openxmlformats.org/officeDocument/2006/relationships" xmlns:p="http://schemas.openxmlformats.org/presentationml/2006/main" xmlns:p14="http://schemas.microsoft.com/office/powerpoint/2010/main">
   <p:cSld>
     <p:spTree>
       <p:nvGrpSpPr>
@@ -14631,206 +14536,16 @@
           </a:p>
         </p:txBody>
       </p:sp>
-      <p:sp>
-        <p:nvSpPr>
-          <p:cNvPr id="70" name="Rect 0"/>
-          <p:cNvSpPr txBox="1">
-            <a:spLocks/>
-          </p:cNvSpPr>
-          <p:nvPr/>
-        </p:nvSpPr>
-        <p:spPr>
-          <a:xfrm rot="0">
-            <a:off x="6876415" y="4995545"/>
-            <a:ext cx="4089400" cy="1200785"/>
-          </a:xfrm>
-          <a:prstGeom prst="rect"/>
-          <a:noFill/>
-          <a:ln w="0">
-            <a:noFill/>
-            <a:prstDash/>
-          </a:ln>
-        </p:spPr>
-        <p:txBody>
-          <a:bodyPr wrap="square" lIns="89535" tIns="46355" rIns="89535" bIns="46355" numCol="1" vert="horz" anchor="t">
-            <a:spAutoFit/>
-          </a:bodyPr>
-          <a:lstStyle/>
-          <a:p>
-            <a:pPr marL="0" indent="0" rtl="0" algn="l" defTabSz="914400" eaLnBrk="1" latinLnBrk="0" hangingPunct="1">
-              <a:buFontTx/>
-              <a:buNone/>
-            </a:pPr>
-            <a:r>
-              <a:rPr lang="ko-KR" sz="1800" b="1">
-                <a:solidFill>
-                  <a:srgbClr val="0611F2"/>
-                </a:solidFill>
-                <a:latin typeface="맑은 고딕" charset="0"/>
-                <a:ea typeface="맑은 고딕" charset="0"/>
-              </a:rPr>
-              <a:t>20</a:t>
-            </a:r>
-            <a:r>
-              <a:rPr sz="1800" b="1">
-                <a:solidFill>
-                  <a:srgbClr val="0611F2"/>
-                </a:solidFill>
-                <a:latin typeface="맑은 고딕" charset="0"/>
-                <a:ea typeface="맑은 고딕" charset="0"/>
-              </a:rPr>
-              <a:t>.</a:t>
-            </a:r>
-            <a:r>
-              <a:rPr sz="1800">
-                <a:latin typeface="맑은 고딕" charset="0"/>
-                <a:ea typeface="맑은 고딕" charset="0"/>
-              </a:rPr>
-              <a:t> </a:t>
-            </a:r>
-            <a:r>
-              <a:rPr lang="ko-KR" sz="1800">
-                <a:solidFill>
-                  <a:schemeClr val="tx1"/>
-                </a:solidFill>
-                <a:latin typeface="맑은 고딕" charset="0"/>
-                <a:ea typeface="맑은 고딕" charset="0"/>
-              </a:rPr>
-              <a:t>이제 Leader Border Panel 오브젝트의 하위 오브젝트에 Text를 생성한 다음 Ranking Text라는 이름으로 정의합니다. </a:t>
-            </a:r>
-            <a:endParaRPr lang="ko-KR" altLang="en-US" sz="1800">
-              <a:solidFill>
-                <a:schemeClr val="tx1"/>
-              </a:solidFill>
-              <a:latin typeface="맑은 고딕" charset="0"/>
-              <a:ea typeface="맑은 고딕" charset="0"/>
-            </a:endParaRPr>
-          </a:p>
-        </p:txBody>
-      </p:sp>
-      <p:sp>
-        <p:nvSpPr>
-          <p:cNvPr id="72" name="Rect 0"/>
-          <p:cNvSpPr txBox="1">
-            <a:spLocks/>
-          </p:cNvSpPr>
-          <p:nvPr/>
-        </p:nvSpPr>
-        <p:spPr>
-          <a:xfrm rot="0">
-            <a:off x="1247140" y="4164965"/>
-            <a:ext cx="4132580" cy="2031365"/>
-          </a:xfrm>
-          <a:prstGeom prst="rect"/>
-          <a:noFill/>
-          <a:ln w="0">
-            <a:noFill/>
-            <a:prstDash/>
-          </a:ln>
-        </p:spPr>
-        <p:txBody>
-          <a:bodyPr wrap="square" lIns="89535" tIns="46355" rIns="89535" bIns="46355" numCol="1" vert="horz" anchor="t">
-            <a:spAutoFit/>
-          </a:bodyPr>
-          <a:lstStyle/>
-          <a:p>
-            <a:pPr marL="0" indent="0" rtl="0" algn="l" defTabSz="914400" eaLnBrk="1" latinLnBrk="0" hangingPunct="1">
-              <a:buFontTx/>
-              <a:buNone/>
-            </a:pPr>
-            <a:r>
-              <a:rPr lang="ko-KR" sz="1800" b="1">
-                <a:solidFill>
-                  <a:srgbClr val="0611F2"/>
-                </a:solidFill>
-                <a:latin typeface="맑은 고딕" charset="0"/>
-                <a:ea typeface="맑은 고딕" charset="0"/>
-              </a:rPr>
-              <a:t>19</a:t>
-            </a:r>
-            <a:r>
-              <a:rPr sz="1800" b="1">
-                <a:solidFill>
-                  <a:srgbClr val="0611F2"/>
-                </a:solidFill>
-                <a:latin typeface="맑은 고딕" charset="0"/>
-                <a:ea typeface="맑은 고딕" charset="0"/>
-              </a:rPr>
-              <a:t>.</a:t>
-            </a:r>
-            <a:r>
-              <a:rPr sz="1800">
-                <a:latin typeface="맑은 고딕" charset="0"/>
-                <a:ea typeface="맑은 고딕" charset="0"/>
-              </a:rPr>
-              <a:t> </a:t>
-            </a:r>
-            <a:r>
-              <a:rPr lang="ko-KR" sz="1800">
-                <a:solidFill>
-                  <a:schemeClr val="tx1"/>
-                </a:solidFill>
-                <a:latin typeface="맑은 고딕" charset="0"/>
-                <a:ea typeface="맑은 고딕" charset="0"/>
-              </a:rPr>
-              <a:t>그런 다음 CharacterSystem 스크립트에서 PlayFabDataSave( ) 함수를 선언합니다.</a:t>
-            </a:r>
-            <a:endParaRPr lang="ko-KR" altLang="en-US" sz="1800">
-              <a:solidFill>
-                <a:schemeClr val="tx1"/>
-              </a:solidFill>
-              <a:latin typeface="맑은 고딕" charset="0"/>
-              <a:ea typeface="맑은 고딕" charset="0"/>
-            </a:endParaRPr>
-          </a:p>
-          <a:p>
-            <a:pPr marL="0" indent="0" rtl="0" algn="l" defTabSz="914400" eaLnBrk="1" latinLnBrk="0" hangingPunct="1">
-              <a:buFontTx/>
-              <a:buNone/>
-            </a:pPr>
-            <a:endParaRPr lang="ko-KR" altLang="en-US" sz="1800">
-              <a:solidFill>
-                <a:schemeClr val="tx1"/>
-              </a:solidFill>
-              <a:latin typeface="맑은 고딕" charset="0"/>
-              <a:ea typeface="맑은 고딕" charset="0"/>
-            </a:endParaRPr>
-          </a:p>
-          <a:p>
-            <a:pPr marL="0" indent="0" rtl="0" algn="l" defTabSz="914400" eaLnBrk="1" latinLnBrk="0" hangingPunct="1">
-              <a:buFontTx/>
-              <a:buNone/>
-            </a:pPr>
-            <a:r>
-              <a:rPr lang="ko-KR" sz="1800">
-                <a:solidFill>
-                  <a:schemeClr val="tx1"/>
-                </a:solidFill>
-                <a:latin typeface="맑은 고딕" charset="0"/>
-                <a:ea typeface="맑은 고딕" charset="0"/>
-              </a:rPr>
-              <a:t>마지막으로 PlayFab에 score변수를 저장한 다음, 서버에서 사용할 변수의 이름을 설정합니다.</a:t>
-            </a:r>
-            <a:endParaRPr lang="ko-KR" altLang="en-US" sz="1800">
-              <a:solidFill>
-                <a:schemeClr val="tx1"/>
-              </a:solidFill>
-              <a:latin typeface="맑은 고딕" charset="0"/>
-              <a:ea typeface="맑은 고딕" charset="0"/>
-            </a:endParaRPr>
-          </a:p>
-        </p:txBody>
-      </p:sp>
       <p:pic>
         <p:nvPicPr>
-          <p:cNvPr id="80" name="그림 44" descr="C:/Users/Admin1/AppData/Roaming/PolarisOffice/ETemp/20476_21866432/fImage154223161478.png"/>
+          <p:cNvPr id="23" name="그림 65" descr="C:/Users/Admin1/AppData/Roaming/PolarisOffice/ETemp/22660_12699656/fImage117551846962.png"/>
           <p:cNvPicPr>
             <a:picLocks noChangeAspect="1"/>
           </p:cNvPicPr>
           <p:nvPr/>
         </p:nvPicPr>
         <p:blipFill rotWithShape="1">
-          <a:blip r:embed="rId2" cstate="print">
+          <a:blip r:embed="rId6" cstate="print">
             <a:extLst>
               <a:ext uri="{28A0092B-C50C-407E-A947-70E740481C1C}">
                 <a14:useLocalDpi xmlns:a14="http://schemas.microsoft.com/office/drawing/2010/main" val="0"/>
@@ -14843,54 +14558,102 @@
         </p:blipFill>
         <p:spPr>
           <a:xfrm rot="0">
-            <a:off x="1247140" y="1446530"/>
-            <a:ext cx="4131945" cy="2619375"/>
+            <a:off x="1238885" y="1537970"/>
+            <a:ext cx="4131945" cy="1305560"/>
+          </a:xfrm>
+          <a:prstGeom prst="roundRect"/>
+          <a:solidFill>
+            <a:srgbClr val="EDEDED"/>
+          </a:solidFill>
+        </p:spPr>
+      </p:pic>
+      <p:sp>
+        <p:nvSpPr>
+          <p:cNvPr id="24" name="텍스트 상자 68"/>
+          <p:cNvSpPr txBox="1">
+            <a:spLocks/>
+          </p:cNvSpPr>
+          <p:nvPr/>
+        </p:nvSpPr>
+        <p:spPr>
+          <a:xfrm rot="0">
+            <a:off x="1238885" y="2917825"/>
+            <a:ext cx="4133215" cy="923925"/>
           </a:xfrm>
           <a:prstGeom prst="rect"/>
           <a:noFill/>
-        </p:spPr>
-      </p:pic>
+          <a:ln w="0">
+            <a:noFill/>
+            <a:prstDash/>
+          </a:ln>
+        </p:spPr>
+        <p:txBody>
+          <a:bodyPr wrap="square" lIns="89535" tIns="46355" rIns="89535" bIns="46355" numCol="1" vert="horz" anchor="t">
+            <a:spAutoFit/>
+          </a:bodyPr>
+          <a:lstStyle/>
+          <a:p>
+            <a:pPr marL="0" indent="0" rtl="0" algn="l" defTabSz="914400" eaLnBrk="1" latinLnBrk="0" hangingPunct="1">
+              <a:buFontTx/>
+              <a:buNone/>
+            </a:pPr>
+            <a:r>
+              <a:rPr lang="ko-KR" sz="1800" b="1">
+                <a:solidFill>
+                  <a:srgbClr val="0611F2"/>
+                </a:solidFill>
+                <a:latin typeface="맑은 고딕" charset="0"/>
+                <a:ea typeface="맑은 고딕" charset="0"/>
+              </a:rPr>
+              <a:t>20</a:t>
+            </a:r>
+            <a:r>
+              <a:rPr sz="1800" b="1">
+                <a:solidFill>
+                  <a:srgbClr val="0611F2"/>
+                </a:solidFill>
+                <a:latin typeface="맑은 고딕" charset="0"/>
+                <a:ea typeface="맑은 고딕" charset="0"/>
+              </a:rPr>
+              <a:t>.</a:t>
+            </a:r>
+            <a:r>
+              <a:rPr sz="1800">
+                <a:latin typeface="맑은 고딕" charset="0"/>
+                <a:ea typeface="맑은 고딕" charset="0"/>
+              </a:rPr>
+              <a:t> </a:t>
+            </a:r>
+            <a:r>
+              <a:rPr lang="ko-KR" sz="1800">
+                <a:solidFill>
+                  <a:schemeClr val="tx1"/>
+                </a:solidFill>
+                <a:latin typeface="맑은 고딕" charset="0"/>
+                <a:ea typeface="맑은 고딕" charset="0"/>
+              </a:rPr>
+              <a:t>이제 Leader Border Button 오브젝트의 앵커를 지정하고 위치와 크기를 설정합니다.</a:t>
+            </a:r>
+            <a:endParaRPr lang="ko-KR" altLang="en-US" sz="1800">
+              <a:solidFill>
+                <a:schemeClr val="tx1"/>
+              </a:solidFill>
+              <a:latin typeface="맑은 고딕" charset="0"/>
+              <a:ea typeface="맑은 고딕" charset="0"/>
+            </a:endParaRPr>
+          </a:p>
+        </p:txBody>
+      </p:sp>
       <p:pic>
         <p:nvPicPr>
-          <p:cNvPr id="81" name="그림 46" descr="C:/Users/Admin1/AppData/Roaming/PolarisOffice/ETemp/20476_21866432/fImage217263086500.png"/>
+          <p:cNvPr id="25" name="그림 69" descr="C:/Users/Admin1/AppData/Roaming/PolarisOffice/ETemp/22660_12699656/fImage118361864464.png"/>
           <p:cNvPicPr>
             <a:picLocks noChangeAspect="1"/>
           </p:cNvPicPr>
           <p:nvPr/>
         </p:nvPicPr>
         <p:blipFill rotWithShape="1">
-          <a:blip r:embed="rId3" cstate="hqprint">
-            <a:extLst>
-              <a:ext uri="{28A0092B-C50C-407E-A947-70E740481C1C}">
-                <a14:useLocalDpi xmlns:a14="http://schemas.microsoft.com/office/drawing/2010/main"/>
-              </a:ext>
-            </a:extLst>
-          </a:blip>
-          <a:stretch>
-            <a:fillRect/>
-          </a:stretch>
-        </p:blipFill>
-        <p:spPr>
-          <a:xfrm rot="0">
-            <a:off x="6875145" y="1438275"/>
-            <a:ext cx="2536190" cy="3367405"/>
-          </a:xfrm>
-          <a:prstGeom prst="roundRect"/>
-          <a:solidFill>
-            <a:srgbClr val="EDEDED"/>
-          </a:solidFill>
-        </p:spPr>
-      </p:pic>
-      <p:pic>
-        <p:nvPicPr>
-          <p:cNvPr id="82" name="그림 51" descr="C:/Users/Admin1/AppData/Roaming/PolarisOffice/ETemp/20476_21866432/fImage185463209358.png"/>
-          <p:cNvPicPr>
-            <a:picLocks noChangeAspect="1"/>
-          </p:cNvPicPr>
-          <p:nvPr/>
-        </p:nvPicPr>
-        <p:blipFill rotWithShape="1">
-          <a:blip r:embed="rId4" cstate="print">
+          <a:blip r:embed="rId7" cstate="print">
             <a:extLst>
               <a:ext uri="{28A0092B-C50C-407E-A947-70E740481C1C}">
                 <a14:useLocalDpi xmlns:a14="http://schemas.microsoft.com/office/drawing/2010/main" val="0"/>
@@ -14903,8 +14666,8 @@
         </p:blipFill>
         <p:spPr>
           <a:xfrm rot="0">
-            <a:off x="9502140" y="2027555"/>
-            <a:ext cx="1455420" cy="2187575"/>
+            <a:off x="1246505" y="3923665"/>
+            <a:ext cx="4124325" cy="1305560"/>
           </a:xfrm>
           <a:prstGeom prst="roundRect"/>
           <a:solidFill>
@@ -14912,6 +14675,286 @@
           </a:solidFill>
         </p:spPr>
       </p:pic>
+      <p:sp>
+        <p:nvSpPr>
+          <p:cNvPr id="26" name="텍스트 상자 72"/>
+          <p:cNvSpPr txBox="1">
+            <a:spLocks/>
+          </p:cNvSpPr>
+          <p:nvPr/>
+        </p:nvSpPr>
+        <p:spPr>
+          <a:xfrm rot="0">
+            <a:off x="1235710" y="5283200"/>
+            <a:ext cx="4135120" cy="923925"/>
+          </a:xfrm>
+          <a:prstGeom prst="rect"/>
+          <a:noFill/>
+          <a:ln w="0">
+            <a:noFill/>
+            <a:prstDash/>
+          </a:ln>
+        </p:spPr>
+        <p:txBody>
+          <a:bodyPr wrap="square" lIns="89535" tIns="46355" rIns="89535" bIns="46355" numCol="1" vert="horz" anchor="t">
+            <a:spAutoFit/>
+          </a:bodyPr>
+          <a:lstStyle/>
+          <a:p>
+            <a:pPr marL="0" indent="0" rtl="0" algn="l" defTabSz="914400" eaLnBrk="1" latinLnBrk="0" hangingPunct="1">
+              <a:buFontTx/>
+              <a:buNone/>
+            </a:pPr>
+            <a:r>
+              <a:rPr lang="ko-KR" sz="1800" b="1">
+                <a:solidFill>
+                  <a:srgbClr val="0611F2"/>
+                </a:solidFill>
+                <a:latin typeface="맑은 고딕" charset="0"/>
+                <a:ea typeface="맑은 고딕" charset="0"/>
+              </a:rPr>
+              <a:t>21</a:t>
+            </a:r>
+            <a:r>
+              <a:rPr sz="1800" b="1">
+                <a:solidFill>
+                  <a:srgbClr val="0611F2"/>
+                </a:solidFill>
+                <a:latin typeface="맑은 고딕" charset="0"/>
+                <a:ea typeface="맑은 고딕" charset="0"/>
+              </a:rPr>
+              <a:t>.</a:t>
+            </a:r>
+            <a:r>
+              <a:rPr sz="1800" b="1">
+                <a:solidFill>
+                  <a:srgbClr val="0611F2"/>
+                </a:solidFill>
+                <a:latin typeface="맑은 고딕" charset="0"/>
+                <a:ea typeface="맑은 고딕" charset="0"/>
+              </a:rPr>
+              <a:t> </a:t>
+            </a:r>
+            <a:r>
+              <a:rPr sz="1800">
+                <a:latin typeface="맑은 고딕" charset="0"/>
+                <a:ea typeface="맑은 고딕" charset="0"/>
+              </a:rPr>
+              <a:t>그다음으</a:t>
+            </a:r>
+            <a:r>
+              <a:rPr lang="ko-KR" sz="1800">
+                <a:latin typeface="맑은 고딕" charset="0"/>
+                <a:ea typeface="맑은 고딕" charset="0"/>
+              </a:rPr>
+              <a:t>로</a:t>
+            </a:r>
+            <a:r>
+              <a:rPr lang="ko-KR" sz="1800">
+                <a:solidFill>
+                  <a:schemeClr val="tx1"/>
+                </a:solidFill>
+                <a:latin typeface="맑은 고딕" charset="0"/>
+                <a:ea typeface="맑은 고딕" charset="0"/>
+              </a:rPr>
+              <a:t> Shop Button 오브젝트의 앵커를 지정하고 위치와 크기를 설정합니다.</a:t>
+            </a:r>
+            <a:endParaRPr lang="ko-KR" altLang="en-US" sz="1800">
+              <a:solidFill>
+                <a:schemeClr val="tx1"/>
+              </a:solidFill>
+              <a:latin typeface="맑은 고딕" charset="0"/>
+              <a:ea typeface="맑은 고딕" charset="0"/>
+            </a:endParaRPr>
+          </a:p>
+        </p:txBody>
+      </p:sp>
+      <p:pic>
+        <p:nvPicPr>
+          <p:cNvPr id="27" name="그림 73" descr="C:/Users/Admin1/AppData/Roaming/PolarisOffice/ETemp/22660_12699656/fImage158201885705.png"/>
+          <p:cNvPicPr>
+            <a:picLocks noChangeAspect="1"/>
+          </p:cNvPicPr>
+          <p:nvPr/>
+        </p:nvPicPr>
+        <p:blipFill rotWithShape="1">
+          <a:blip r:embed="rId8" cstate="print">
+            <a:extLst>
+              <a:ext uri="{28A0092B-C50C-407E-A947-70E740481C1C}">
+                <a14:useLocalDpi xmlns:a14="http://schemas.microsoft.com/office/drawing/2010/main" val="0"/>
+              </a:ext>
+            </a:extLst>
+          </a:blip>
+          <a:stretch>
+            <a:fillRect/>
+          </a:stretch>
+        </p:blipFill>
+        <p:spPr>
+          <a:xfrm rot="0">
+            <a:off x="6816725" y="1534160"/>
+            <a:ext cx="4140835" cy="2290445"/>
+          </a:xfrm>
+          <a:prstGeom prst="roundRect"/>
+          <a:solidFill>
+            <a:srgbClr val="EDEDED"/>
+          </a:solidFill>
+        </p:spPr>
+      </p:pic>
+      <p:pic>
+        <p:nvPicPr>
+          <p:cNvPr id="28" name="그림 76" descr="C:/Users/Admin1/AppData/Roaming/PolarisOffice/ETemp/22660_12699656/fImage578191898145.png"/>
+          <p:cNvPicPr>
+            <a:picLocks noChangeAspect="1"/>
+          </p:cNvPicPr>
+          <p:nvPr/>
+        </p:nvPicPr>
+        <p:blipFill rotWithShape="1">
+          <a:blip r:embed="rId9" cstate="print">
+            <a:extLst>
+              <a:ext uri="{28A0092B-C50C-407E-A947-70E740481C1C}">
+                <a14:useLocalDpi xmlns:a14="http://schemas.microsoft.com/office/drawing/2010/main" val="0"/>
+              </a:ext>
+            </a:extLst>
+          </a:blip>
+          <a:stretch>
+            <a:fillRect/>
+          </a:stretch>
+        </p:blipFill>
+        <p:spPr>
+          <a:xfrm rot="0">
+            <a:off x="6818630" y="3956685"/>
+            <a:ext cx="4138930" cy="989965"/>
+          </a:xfrm>
+          <a:prstGeom prst="roundRect"/>
+          <a:solidFill>
+            <a:srgbClr val="EDEDED"/>
+          </a:solidFill>
+        </p:spPr>
+      </p:pic>
+      <p:cxnSp>
+        <p:nvCxnSpPr>
+          <p:cNvPr id="29" name="도형 79"/>
+          <p:cNvCxnSpPr/>
+          <p:nvPr/>
+        </p:nvCxnSpPr>
+        <p:spPr>
+          <a:xfrm rot="0" flipV="1">
+            <a:off x="9468485" y="1861820"/>
+            <a:ext cx="1347470" cy="2312035"/>
+          </a:xfrm>
+          <a:prstGeom prst="straightConnector1"/>
+          <a:ln w="6350" cap="flat" cmpd="sng">
+            <a:prstDash/>
+            <a:headEnd type="none" w="med" len="med"/>
+            <a:tailEnd type="triangle" w="med" len="med"/>
+          </a:ln>
+        </p:spPr>
+        <p:style>
+          <a:lnRef idx="1">
+            <a:schemeClr val="accent1"/>
+          </a:lnRef>
+          <a:fillRef idx="0">
+            <a:schemeClr val="accent1"/>
+          </a:fillRef>
+          <a:effectRef idx="0">
+            <a:schemeClr val="accent1"/>
+          </a:effectRef>
+          <a:fontRef idx="minor">
+            <a:schemeClr val="tx1"/>
+          </a:fontRef>
+        </p:style>
+      </p:cxnSp>
+      <p:sp>
+        <p:nvSpPr>
+          <p:cNvPr id="30" name="텍스트 상자 80"/>
+          <p:cNvSpPr txBox="1">
+            <a:spLocks/>
+          </p:cNvSpPr>
+          <p:nvPr/>
+        </p:nvSpPr>
+        <p:spPr>
+          <a:xfrm rot="0">
+            <a:off x="6819265" y="5006340"/>
+            <a:ext cx="4135120" cy="1200785"/>
+          </a:xfrm>
+          <a:prstGeom prst="rect"/>
+          <a:noFill/>
+          <a:ln w="0">
+            <a:noFill/>
+            <a:prstDash/>
+          </a:ln>
+        </p:spPr>
+        <p:txBody>
+          <a:bodyPr wrap="square" lIns="89535" tIns="46355" rIns="89535" bIns="46355" numCol="1" vert="horz" anchor="t">
+            <a:spAutoFit/>
+          </a:bodyPr>
+          <a:lstStyle/>
+          <a:p>
+            <a:pPr marL="0" indent="0" rtl="0" algn="l" defTabSz="914400" eaLnBrk="1" latinLnBrk="0" hangingPunct="1">
+              <a:buFontTx/>
+              <a:buNone/>
+            </a:pPr>
+            <a:r>
+              <a:rPr lang="ko-KR" sz="1800" b="1">
+                <a:solidFill>
+                  <a:srgbClr val="0611F2"/>
+                </a:solidFill>
+                <a:latin typeface="맑은 고딕" charset="0"/>
+                <a:ea typeface="맑은 고딕" charset="0"/>
+              </a:rPr>
+              <a:t>22</a:t>
+            </a:r>
+            <a:r>
+              <a:rPr sz="1800" b="1">
+                <a:solidFill>
+                  <a:srgbClr val="0611F2"/>
+                </a:solidFill>
+                <a:latin typeface="맑은 고딕" charset="0"/>
+                <a:ea typeface="맑은 고딕" charset="0"/>
+              </a:rPr>
+              <a:t>.</a:t>
+            </a:r>
+            <a:r>
+              <a:rPr sz="1800" b="1">
+                <a:solidFill>
+                  <a:srgbClr val="0611F2"/>
+                </a:solidFill>
+                <a:latin typeface="맑은 고딕" charset="0"/>
+                <a:ea typeface="맑은 고딕" charset="0"/>
+              </a:rPr>
+              <a:t> </a:t>
+            </a:r>
+            <a:r>
+              <a:rPr lang="ko-KR" sz="1800">
+                <a:latin typeface="맑은 고딕" charset="0"/>
+                <a:ea typeface="맑은 고딕" charset="0"/>
+              </a:rPr>
+              <a:t>그런 </a:t>
+            </a:r>
+            <a:r>
+              <a:rPr sz="1800">
+                <a:latin typeface="맑은 고딕" charset="0"/>
+                <a:ea typeface="맑은 고딕" charset="0"/>
+              </a:rPr>
+              <a:t>다음</a:t>
+            </a:r>
+            <a:r>
+              <a:rPr lang="ko-KR" sz="1800">
+                <a:latin typeface="맑은 고딕" charset="0"/>
+                <a:ea typeface="맑은 고딕" charset="0"/>
+              </a:rPr>
+              <a:t> Shop Button 오브젝트의 Image 컴포넌트에 Texture 폴더에 있는 Shop Button 텍스처를 넣어줍니다.</a:t>
+            </a:r>
+            <a:endParaRPr lang="ko-KR" altLang="en-US" sz="1800">
+              <a:solidFill>
+                <a:schemeClr val="tx1"/>
+              </a:solidFill>
+              <a:latin typeface="맑은 고딕" charset="0"/>
+              <a:ea typeface="맑은 고딕" charset="0"/>
+            </a:endParaRPr>
+          </a:p>
+        </p:txBody>
+      </p:sp>
     </p:spTree>
   </p:cSld>
   <p:clrMapOvr>
